--- a/Lecture_18.pptx
+++ b/Lecture_18.pptx
@@ -16,18 +16,17 @@
     <p:sldId id="264" r:id="rId10"/>
     <p:sldId id="265" r:id="rId11"/>
     <p:sldId id="267" r:id="rId12"/>
-    <p:sldId id="280" r:id="rId13"/>
-    <p:sldId id="268" r:id="rId14"/>
-    <p:sldId id="275" r:id="rId15"/>
-    <p:sldId id="279" r:id="rId16"/>
-    <p:sldId id="270" r:id="rId17"/>
-    <p:sldId id="271" r:id="rId18"/>
-    <p:sldId id="272" r:id="rId19"/>
-    <p:sldId id="273" r:id="rId20"/>
-    <p:sldId id="276" r:id="rId21"/>
-    <p:sldId id="277" r:id="rId22"/>
-    <p:sldId id="278" r:id="rId23"/>
-    <p:sldId id="274" r:id="rId24"/>
+    <p:sldId id="268" r:id="rId13"/>
+    <p:sldId id="275" r:id="rId14"/>
+    <p:sldId id="279" r:id="rId15"/>
+    <p:sldId id="270" r:id="rId16"/>
+    <p:sldId id="271" r:id="rId17"/>
+    <p:sldId id="272" r:id="rId18"/>
+    <p:sldId id="273" r:id="rId19"/>
+    <p:sldId id="276" r:id="rId20"/>
+    <p:sldId id="277" r:id="rId21"/>
+    <p:sldId id="278" r:id="rId22"/>
+    <p:sldId id="274" r:id="rId23"/>
   </p:sldIdLst>
   <p:sldSz cx="12192000" cy="6858000"/>
   <p:notesSz cx="6858000" cy="9144000"/>
@@ -281,7 +280,7 @@
           <a:p>
             <a:fld id="{BE7AD48E-BA47-D345-B3DF-62CCB7BFF74A}" type="datetimeFigureOut">
               <a:rPr lang="en-US" smtClean="0"/>
-              <a:t>10/17/2019</a:t>
+              <a:t>10/18/19</a:t>
             </a:fld>
             <a:endParaRPr lang="en-US"/>
           </a:p>
@@ -479,7 +478,7 @@
           <a:p>
             <a:fld id="{BE7AD48E-BA47-D345-B3DF-62CCB7BFF74A}" type="datetimeFigureOut">
               <a:rPr lang="en-US" smtClean="0"/>
-              <a:t>10/17/2019</a:t>
+              <a:t>10/18/19</a:t>
             </a:fld>
             <a:endParaRPr lang="en-US"/>
           </a:p>
@@ -687,7 +686,7 @@
           <a:p>
             <a:fld id="{BE7AD48E-BA47-D345-B3DF-62CCB7BFF74A}" type="datetimeFigureOut">
               <a:rPr lang="en-US" smtClean="0"/>
-              <a:t>10/17/2019</a:t>
+              <a:t>10/18/19</a:t>
             </a:fld>
             <a:endParaRPr lang="en-US"/>
           </a:p>
@@ -885,7 +884,7 @@
           <a:p>
             <a:fld id="{BE7AD48E-BA47-D345-B3DF-62CCB7BFF74A}" type="datetimeFigureOut">
               <a:rPr lang="en-US" smtClean="0"/>
-              <a:t>10/17/2019</a:t>
+              <a:t>10/18/19</a:t>
             </a:fld>
             <a:endParaRPr lang="en-US"/>
           </a:p>
@@ -1160,7 +1159,7 @@
           <a:p>
             <a:fld id="{BE7AD48E-BA47-D345-B3DF-62CCB7BFF74A}" type="datetimeFigureOut">
               <a:rPr lang="en-US" smtClean="0"/>
-              <a:t>10/17/2019</a:t>
+              <a:t>10/18/19</a:t>
             </a:fld>
             <a:endParaRPr lang="en-US"/>
           </a:p>
@@ -1425,7 +1424,7 @@
           <a:p>
             <a:fld id="{BE7AD48E-BA47-D345-B3DF-62CCB7BFF74A}" type="datetimeFigureOut">
               <a:rPr lang="en-US" smtClean="0"/>
-              <a:t>10/17/2019</a:t>
+              <a:t>10/18/19</a:t>
             </a:fld>
             <a:endParaRPr lang="en-US"/>
           </a:p>
@@ -1837,7 +1836,7 @@
           <a:p>
             <a:fld id="{BE7AD48E-BA47-D345-B3DF-62CCB7BFF74A}" type="datetimeFigureOut">
               <a:rPr lang="en-US" smtClean="0"/>
-              <a:t>10/17/2019</a:t>
+              <a:t>10/18/19</a:t>
             </a:fld>
             <a:endParaRPr lang="en-US"/>
           </a:p>
@@ -1978,7 +1977,7 @@
           <a:p>
             <a:fld id="{BE7AD48E-BA47-D345-B3DF-62CCB7BFF74A}" type="datetimeFigureOut">
               <a:rPr lang="en-US" smtClean="0"/>
-              <a:t>10/17/2019</a:t>
+              <a:t>10/18/19</a:t>
             </a:fld>
             <a:endParaRPr lang="en-US"/>
           </a:p>
@@ -2091,7 +2090,7 @@
           <a:p>
             <a:fld id="{BE7AD48E-BA47-D345-B3DF-62CCB7BFF74A}" type="datetimeFigureOut">
               <a:rPr lang="en-US" smtClean="0"/>
-              <a:t>10/17/2019</a:t>
+              <a:t>10/18/19</a:t>
             </a:fld>
             <a:endParaRPr lang="en-US"/>
           </a:p>
@@ -2402,7 +2401,7 @@
           <a:p>
             <a:fld id="{BE7AD48E-BA47-D345-B3DF-62CCB7BFF74A}" type="datetimeFigureOut">
               <a:rPr lang="en-US" smtClean="0"/>
-              <a:t>10/17/2019</a:t>
+              <a:t>10/18/19</a:t>
             </a:fld>
             <a:endParaRPr lang="en-US"/>
           </a:p>
@@ -2690,7 +2689,7 @@
           <a:p>
             <a:fld id="{BE7AD48E-BA47-D345-B3DF-62CCB7BFF74A}" type="datetimeFigureOut">
               <a:rPr lang="en-US" smtClean="0"/>
-              <a:t>10/17/2019</a:t>
+              <a:t>10/18/19</a:t>
             </a:fld>
             <a:endParaRPr lang="en-US"/>
           </a:p>
@@ -2931,7 +2930,7 @@
           <a:p>
             <a:fld id="{BE7AD48E-BA47-D345-B3DF-62CCB7BFF74A}" type="datetimeFigureOut">
               <a:rPr lang="en-US" smtClean="0"/>
-              <a:t>10/17/2019</a:t>
+              <a:t>10/18/19</a:t>
             </a:fld>
             <a:endParaRPr lang="en-US"/>
           </a:p>
@@ -3421,13 +3420,6 @@
   <p:clrMapOvr>
     <a:masterClrMapping/>
   </p:clrMapOvr>
-  <p:timing>
-    <p:tnLst>
-      <p:par>
-        <p:cTn id="1" dur="indefinite" restart="never" nodeType="tmRoot"/>
-      </p:par>
-    </p:tnLst>
-  </p:timing>
 </p:sld>
 </file>
 
@@ -3930,12 +3922,16 @@
                 </a:r>
                 <a:r>
                   <a:rPr lang="en-US" dirty="0"/>
-                  <a:t>is class value of training instance </a:t>
+                  <a:t>is class value of training instance</a:t>
+                </a:r>
+                <a:r>
+                  <a:rPr lang="en-US" b="1" dirty="0"/>
+                  <a:t> </a:t>
                 </a:r>
                 <a14:m>
                   <m:oMath xmlns:m="http://schemas.openxmlformats.org/officeDocument/2006/math">
                     <m:r>
-                      <a:rPr lang="en-US" b="1" i="1" smtClean="0">
+                      <a:rPr lang="en-US" b="1" i="1">
                         <a:latin typeface="Cambria Math" panose="02040503050406030204" pitchFamily="18" charset="0"/>
                       </a:rPr>
                       <m:t>𝒂</m:t>
@@ -3943,20 +3939,28 @@
                     <m:d>
                       <m:dPr>
                         <m:ctrlPr>
-                          <a:rPr lang="en-US" b="0" i="1" smtClean="0">
+                          <a:rPr lang="en-US" i="1">
                             <a:latin typeface="Cambria Math" panose="02040503050406030204" pitchFamily="18" charset="0"/>
                           </a:rPr>
                         </m:ctrlPr>
                       </m:dPr>
                       <m:e>
                         <m:r>
-                          <a:rPr lang="en-US" b="1" i="1" smtClean="0">
+                          <a:rPr lang="en-US" b="1" i="1">
                             <a:latin typeface="Cambria Math" panose="02040503050406030204" pitchFamily="18" charset="0"/>
                           </a:rPr>
                           <m:t>𝒊</m:t>
                         </m:r>
                       </m:e>
                     </m:d>
+                  </m:oMath>
+                </a14:m>
+                <a:r>
+                  <a:rPr lang="en-US" dirty="0"/>
+                  <a:t> (-1=no, 1=yes)</a:t>
+                </a:r>
+                <a14:m>
+                  <m:oMath xmlns:m="http://schemas.openxmlformats.org/officeDocument/2006/math">
                     <m:r>
                       <a:rPr lang="en-US" b="0" i="0" smtClean="0">
                         <a:latin typeface="Cambria Math" panose="02040503050406030204" pitchFamily="18" charset="0"/>
@@ -3978,7 +3982,7 @@
                 </a:r>
                 <a:r>
                   <a:rPr lang="en-US" dirty="0"/>
-                  <a:t>is a test instance, </a:t>
+                  <a:t>is a test 	instance, </a:t>
                 </a:r>
                 <a14:m>
                   <m:oMath xmlns:m="http://schemas.openxmlformats.org/officeDocument/2006/math">
@@ -4036,7 +4040,7 @@
                 </a14:m>
                 <a:r>
                   <a:rPr lang="en-US" dirty="0"/>
-                  <a:t>	are numeric parameters determined by learning algorithm</a:t>
+                  <a:t>are numeric parameters determined by learning algorithm</a:t>
                 </a:r>
                 <a:br>
                   <a:rPr lang="en-US" dirty="0"/>
@@ -4236,7 +4240,7 @@
               <a:blipFill>
                 <a:blip r:embed="rId2"/>
                 <a:stretch>
-                  <a:fillRect l="-900" t="-1710" r="-1350"/>
+                  <a:fillRect l="-833" t="-1674" r="-1354"/>
                 </a:stretch>
               </a:blipFill>
             </p:spPr>
@@ -4245,7 +4249,7 @@
               <a:lstStyle/>
               <a:p>
                 <a:r>
-                  <a:rPr lang="en-CA">
+                  <a:rPr lang="en-US">
                     <a:noFill/>
                   </a:rPr>
                   <a:t> </a:t>
@@ -5447,95 +5451,6 @@
 </file>
 
 <file path=ppt/slides/slide12.xml><?xml version="1.0" encoding="utf-8"?>
-<p:sld xmlns:a="http://schemas.openxmlformats.org/drawingml/2006/main" xmlns:r="http://schemas.openxmlformats.org/officeDocument/2006/relationships" xmlns:p="http://schemas.openxmlformats.org/presentationml/2006/main">
-  <p:cSld>
-    <p:spTree>
-      <p:nvGrpSpPr>
-        <p:cNvPr id="1" name=""/>
-        <p:cNvGrpSpPr/>
-        <p:nvPr/>
-      </p:nvGrpSpPr>
-      <p:grpSpPr>
-        <a:xfrm>
-          <a:off x="0" y="0"/>
-          <a:ext cx="0" cy="0"/>
-          <a:chOff x="0" y="0"/>
-          <a:chExt cx="0" cy="0"/>
-        </a:xfrm>
-      </p:grpSpPr>
-      <p:sp>
-        <p:nvSpPr>
-          <p:cNvPr id="2" name="Title 1"/>
-          <p:cNvSpPr>
-            <a:spLocks noGrp="1"/>
-          </p:cNvSpPr>
-          <p:nvPr>
-            <p:ph type="title"/>
-          </p:nvPr>
-        </p:nvSpPr>
-        <p:spPr>
-          <a:xfrm>
-            <a:off x="0" y="0"/>
-            <a:ext cx="10515600" cy="937202"/>
-          </a:xfrm>
-        </p:spPr>
-        <p:txBody>
-          <a:bodyPr/>
-          <a:lstStyle/>
-          <a:p>
-            <a:r>
-              <a:rPr lang="en-CA" dirty="0" smtClean="0"/>
-              <a:t>Polynomial kernel example</a:t>
-            </a:r>
-            <a:endParaRPr lang="en-CA" dirty="0"/>
-          </a:p>
-        </p:txBody>
-      </p:sp>
-      <p:sp>
-        <p:nvSpPr>
-          <p:cNvPr id="3" name="Content Placeholder 2"/>
-          <p:cNvSpPr>
-            <a:spLocks noGrp="1"/>
-          </p:cNvSpPr>
-          <p:nvPr>
-            <p:ph idx="1"/>
-          </p:nvPr>
-        </p:nvSpPr>
-        <p:spPr>
-          <a:xfrm>
-            <a:off x="0" y="937202"/>
-            <a:ext cx="10515600" cy="4351338"/>
-          </a:xfrm>
-        </p:spPr>
-        <p:txBody>
-          <a:bodyPr/>
-          <a:lstStyle/>
-          <a:p>
-            <a:endParaRPr lang="en-CA"/>
-          </a:p>
-        </p:txBody>
-      </p:sp>
-    </p:spTree>
-    <p:extLst>
-      <p:ext uri="{BB962C8B-B14F-4D97-AF65-F5344CB8AC3E}">
-        <p14:creationId xmlns:p14="http://schemas.microsoft.com/office/powerpoint/2010/main" val="3465532610"/>
-      </p:ext>
-    </p:extLst>
-  </p:cSld>
-  <p:clrMapOvr>
-    <a:masterClrMapping/>
-  </p:clrMapOvr>
-  <p:timing>
-    <p:tnLst>
-      <p:par>
-        <p:cTn id="1" dur="indefinite" restart="never" nodeType="tmRoot"/>
-      </p:par>
-    </p:tnLst>
-  </p:timing>
-</p:sld>
-</file>
-
-<file path=ppt/slides/slide13.xml><?xml version="1.0" encoding="utf-8"?>
 <p:sld xmlns:a="http://schemas.openxmlformats.org/drawingml/2006/main" xmlns:r="http://schemas.openxmlformats.org/officeDocument/2006/relationships" xmlns:p="http://schemas.openxmlformats.org/presentationml/2006/main">
   <p:cSld>
     <p:spTree>
@@ -6494,7 +6409,7 @@
 </p:sld>
 </file>
 
-<file path=ppt/slides/slide14.xml><?xml version="1.0" encoding="utf-8"?>
+<file path=ppt/slides/slide13.xml><?xml version="1.0" encoding="utf-8"?>
 <p:sld xmlns:a="http://schemas.openxmlformats.org/drawingml/2006/main" xmlns:r="http://schemas.openxmlformats.org/officeDocument/2006/relationships" xmlns:p="http://schemas.openxmlformats.org/presentationml/2006/main">
   <p:cSld>
     <p:spTree>
@@ -6567,8 +6482,8 @@
           </a:prstGeom>
         </p:spPr>
       </p:pic>
-      <mc:AlternateContent xmlns:mc="http://schemas.openxmlformats.org/markup-compatibility/2006">
-        <mc:Choice xmlns:a14="http://schemas.microsoft.com/office/drawing/2010/main" Requires="a14">
+      <mc:AlternateContent xmlns:mc="http://schemas.openxmlformats.org/markup-compatibility/2006" xmlns:a14="http://schemas.microsoft.com/office/drawing/2010/main">
+        <mc:Choice Requires="a14">
           <p:sp>
             <p:nvSpPr>
               <p:cNvPr id="6" name="TextBox 5"/>
@@ -6591,6 +6506,7 @@
               </a:bodyPr>
               <a:lstStyle/>
               <a:p>
+                <a:pPr/>
                 <a14:m>
                   <m:oMathPara xmlns:m="http://schemas.openxmlformats.org/officeDocument/2006/math">
                     <m:oMathParaPr>
@@ -6750,11 +6666,12 @@
                     </m:oMath>
                   </m:oMathPara>
                 </a14:m>
-                <a:endParaRPr lang="en-CA" sz="2800" dirty="0" smtClean="0">
+                <a:endParaRPr lang="en-CA" sz="2800" dirty="0">
                   <a:ea typeface="Cambria Math" panose="02040503050406030204" pitchFamily="18" charset="0"/>
                 </a:endParaRPr>
               </a:p>
               <a:p>
+                <a:pPr/>
                 <a14:m>
                   <m:oMathPara xmlns:m="http://schemas.openxmlformats.org/officeDocument/2006/math">
                     <m:oMathParaPr>
@@ -6921,7 +6838,7 @@
             </p:txBody>
           </p:sp>
         </mc:Choice>
-        <mc:Fallback>
+        <mc:Fallback xmlns="">
           <p:sp>
             <p:nvSpPr>
               <p:cNvPr id="6" name="TextBox 5"/>
@@ -6973,14 +6890,85 @@
   <p:timing>
     <p:tnLst>
       <p:par>
-        <p:cTn id="1" dur="indefinite" restart="never" nodeType="tmRoot"/>
+        <p:cTn id="1" dur="indefinite" restart="never" nodeType="tmRoot">
+          <p:childTnLst>
+            <p:seq concurrent="1" nextAc="seek">
+              <p:cTn id="2" dur="indefinite" nodeType="mainSeq">
+                <p:childTnLst>
+                  <p:par>
+                    <p:cTn id="3" fill="hold">
+                      <p:stCondLst>
+                        <p:cond delay="indefinite"/>
+                      </p:stCondLst>
+                      <p:childTnLst>
+                        <p:par>
+                          <p:cTn id="4" fill="hold">
+                            <p:stCondLst>
+                              <p:cond delay="0"/>
+                            </p:stCondLst>
+                            <p:childTnLst>
+                              <p:par>
+                                <p:cTn id="5" presetID="1" presetClass="entr" presetSubtype="0" fill="hold" grpId="0" nodeType="clickEffect">
+                                  <p:stCondLst>
+                                    <p:cond delay="0"/>
+                                  </p:stCondLst>
+                                  <p:childTnLst>
+                                    <p:set>
+                                      <p:cBhvr>
+                                        <p:cTn id="6" dur="1" fill="hold">
+                                          <p:stCondLst>
+                                            <p:cond delay="0"/>
+                                          </p:stCondLst>
+                                        </p:cTn>
+                                        <p:tgtEl>
+                                          <p:spTgt spid="6"/>
+                                        </p:tgtEl>
+                                        <p:attrNameLst>
+                                          <p:attrName>style.visibility</p:attrName>
+                                        </p:attrNameLst>
+                                      </p:cBhvr>
+                                      <p:to>
+                                        <p:strVal val="visible"/>
+                                      </p:to>
+                                    </p:set>
+                                  </p:childTnLst>
+                                </p:cTn>
+                              </p:par>
+                            </p:childTnLst>
+                          </p:cTn>
+                        </p:par>
+                      </p:childTnLst>
+                    </p:cTn>
+                  </p:par>
+                </p:childTnLst>
+              </p:cTn>
+              <p:prevCondLst>
+                <p:cond evt="onPrev" delay="0">
+                  <p:tgtEl>
+                    <p:sldTgt/>
+                  </p:tgtEl>
+                </p:cond>
+              </p:prevCondLst>
+              <p:nextCondLst>
+                <p:cond evt="onNext" delay="0">
+                  <p:tgtEl>
+                    <p:sldTgt/>
+                  </p:tgtEl>
+                </p:cond>
+              </p:nextCondLst>
+            </p:seq>
+          </p:childTnLst>
+        </p:cTn>
       </p:par>
     </p:tnLst>
+    <p:bldLst>
+      <p:bldP spid="6" grpId="0"/>
+    </p:bldLst>
   </p:timing>
 </p:sld>
 </file>
 
-<file path=ppt/slides/slide15.xml><?xml version="1.0" encoding="utf-8"?>
+<file path=ppt/slides/slide14.xml><?xml version="1.0" encoding="utf-8"?>
 <p:sld xmlns:a="http://schemas.openxmlformats.org/drawingml/2006/main" xmlns:r="http://schemas.openxmlformats.org/officeDocument/2006/relationships" xmlns:p="http://schemas.openxmlformats.org/presentationml/2006/main">
   <p:cSld>
     <p:spTree>
@@ -7031,17 +7019,10 @@
   <p:clrMapOvr>
     <a:masterClrMapping/>
   </p:clrMapOvr>
-  <p:timing>
-    <p:tnLst>
-      <p:par>
-        <p:cTn id="1" dur="indefinite" restart="never" nodeType="tmRoot"/>
-      </p:par>
-    </p:tnLst>
-  </p:timing>
 </p:sld>
 </file>
 
-<file path=ppt/slides/slide16.xml><?xml version="1.0" encoding="utf-8"?>
+<file path=ppt/slides/slide15.xml><?xml version="1.0" encoding="utf-8"?>
 <p:sld xmlns:a="http://schemas.openxmlformats.org/drawingml/2006/main" xmlns:r="http://schemas.openxmlformats.org/officeDocument/2006/relationships" xmlns:p="http://schemas.openxmlformats.org/presentationml/2006/main">
   <p:cSld>
     <p:spTree>
@@ -7237,56 +7218,8 @@
         </p:blipFill>
         <p:spPr>
           <a:xfrm>
-            <a:off x="674541" y="3714750"/>
+            <a:off x="3348585" y="3776222"/>
             <a:ext cx="3333750" cy="2781300"/>
-          </a:xfrm>
-          <a:prstGeom prst="rect">
-            <a:avLst/>
-          </a:prstGeom>
-        </p:spPr>
-      </p:pic>
-      <p:pic>
-        <p:nvPicPr>
-          <p:cNvPr id="6" name="Picture 5"/>
-          <p:cNvPicPr>
-            <a:picLocks noChangeAspect="1"/>
-          </p:cNvPicPr>
-          <p:nvPr/>
-        </p:nvPicPr>
-        <p:blipFill>
-          <a:blip r:embed="rId4"/>
-          <a:stretch>
-            <a:fillRect/>
-          </a:stretch>
-        </p:blipFill>
-        <p:spPr>
-          <a:xfrm>
-            <a:off x="4396218" y="3714750"/>
-            <a:ext cx="3305175" cy="2819400"/>
-          </a:xfrm>
-          <a:prstGeom prst="rect">
-            <a:avLst/>
-          </a:prstGeom>
-        </p:spPr>
-      </p:pic>
-      <p:pic>
-        <p:nvPicPr>
-          <p:cNvPr id="7" name="Picture 6"/>
-          <p:cNvPicPr>
-            <a:picLocks noChangeAspect="1"/>
-          </p:cNvPicPr>
-          <p:nvPr/>
-        </p:nvPicPr>
-        <p:blipFill>
-          <a:blip r:embed="rId5"/>
-          <a:stretch>
-            <a:fillRect/>
-          </a:stretch>
-        </p:blipFill>
-        <p:spPr>
-          <a:xfrm>
-            <a:off x="8080230" y="3706091"/>
-            <a:ext cx="3457575" cy="2781300"/>
           </a:xfrm>
           <a:prstGeom prst="rect">
             <a:avLst/>
@@ -7520,7 +7453,7 @@
                             </p:stCondLst>
                             <p:childTnLst>
                               <p:par>
-                                <p:cTn id="21" presetID="1" presetClass="entr" presetSubtype="0" fill="hold" grpId="0" nodeType="clickEffect">
+                                <p:cTn id="21" presetID="1" presetClass="entr" presetSubtype="0" fill="hold" nodeType="clickEffect">
                                   <p:stCondLst>
                                     <p:cond delay="0"/>
                                   </p:stCondLst>
@@ -7528,6 +7461,51 @@
                                     <p:set>
                                       <p:cBhvr>
                                         <p:cTn id="22" dur="1" fill="hold">
+                                          <p:stCondLst>
+                                            <p:cond delay="0"/>
+                                          </p:stCondLst>
+                                        </p:cTn>
+                                        <p:tgtEl>
+                                          <p:spTgt spid="5"/>
+                                        </p:tgtEl>
+                                        <p:attrNameLst>
+                                          <p:attrName>style.visibility</p:attrName>
+                                        </p:attrNameLst>
+                                      </p:cBhvr>
+                                      <p:to>
+                                        <p:strVal val="visible"/>
+                                      </p:to>
+                                    </p:set>
+                                  </p:childTnLst>
+                                </p:cTn>
+                              </p:par>
+                            </p:childTnLst>
+                          </p:cTn>
+                        </p:par>
+                      </p:childTnLst>
+                    </p:cTn>
+                  </p:par>
+                  <p:par>
+                    <p:cTn id="23" fill="hold">
+                      <p:stCondLst>
+                        <p:cond delay="indefinite"/>
+                      </p:stCondLst>
+                      <p:childTnLst>
+                        <p:par>
+                          <p:cTn id="24" fill="hold">
+                            <p:stCondLst>
+                              <p:cond delay="0"/>
+                            </p:stCondLst>
+                            <p:childTnLst>
+                              <p:par>
+                                <p:cTn id="25" presetID="1" presetClass="entr" presetSubtype="0" fill="hold" grpId="0" nodeType="clickEffect">
+                                  <p:stCondLst>
+                                    <p:cond delay="0"/>
+                                  </p:stCondLst>
+                                  <p:childTnLst>
+                                    <p:set>
+                                      <p:cBhvr>
+                                        <p:cTn id="26" dur="1" fill="hold">
                                           <p:stCondLst>
                                             <p:cond delay="0"/>
                                           </p:stCondLst>
@@ -7578,13 +7556,13 @@
       </p:par>
     </p:tnLst>
     <p:bldLst>
-      <p:bldP spid="3" grpId="0" build="p"/>
+      <p:bldP spid="3" grpId="0" uiExpand="1" build="p"/>
     </p:bldLst>
   </p:timing>
 </p:sld>
 </file>
 
-<file path=ppt/slides/slide17.xml><?xml version="1.0" encoding="utf-8"?>
+<file path=ppt/slides/slide16.xml><?xml version="1.0" encoding="utf-8"?>
 <p:sld xmlns:a="http://schemas.openxmlformats.org/drawingml/2006/main" xmlns:r="http://schemas.openxmlformats.org/officeDocument/2006/relationships" xmlns:p="http://schemas.openxmlformats.org/presentationml/2006/main">
   <p:cSld>
     <p:spTree>
@@ -8033,7 +8011,7 @@
                             </p:stCondLst>
                             <p:childTnLst>
                               <p:par>
-                                <p:cTn id="5" presetID="1" presetClass="entr" presetSubtype="0" fill="hold" grpId="0" nodeType="clickEffect">
+                                <p:cTn id="5" presetID="1" presetClass="entr" presetSubtype="0" fill="hold" nodeType="clickEffect">
                                   <p:stCondLst>
                                     <p:cond delay="0"/>
                                   </p:stCondLst>
@@ -8046,11 +8024,7 @@
                                           </p:stCondLst>
                                         </p:cTn>
                                         <p:tgtEl>
-                                          <p:spTgt spid="3">
-                                            <p:txEl>
-                                              <p:pRg st="0" end="0"/>
-                                            </p:txEl>
-                                          </p:spTgt>
+                                          <p:spTgt spid="5"/>
                                         </p:tgtEl>
                                         <p:attrNameLst>
                                           <p:attrName>style.visibility</p:attrName>
@@ -8097,6 +8071,100 @@
                                         <p:tgtEl>
                                           <p:spTgt spid="3">
                                             <p:txEl>
+                                              <p:pRg st="0" end="0"/>
+                                            </p:txEl>
+                                          </p:spTgt>
+                                        </p:tgtEl>
+                                        <p:attrNameLst>
+                                          <p:attrName>style.visibility</p:attrName>
+                                        </p:attrNameLst>
+                                      </p:cBhvr>
+                                      <p:to>
+                                        <p:strVal val="visible"/>
+                                      </p:to>
+                                    </p:set>
+                                  </p:childTnLst>
+                                </p:cTn>
+                              </p:par>
+                            </p:childTnLst>
+                          </p:cTn>
+                        </p:par>
+                      </p:childTnLst>
+                    </p:cTn>
+                  </p:par>
+                  <p:par>
+                    <p:cTn id="11" fill="hold">
+                      <p:stCondLst>
+                        <p:cond delay="indefinite"/>
+                      </p:stCondLst>
+                      <p:childTnLst>
+                        <p:par>
+                          <p:cTn id="12" fill="hold">
+                            <p:stCondLst>
+                              <p:cond delay="0"/>
+                            </p:stCondLst>
+                            <p:childTnLst>
+                              <p:par>
+                                <p:cTn id="13" presetID="1" presetClass="entr" presetSubtype="0" fill="hold" nodeType="clickEffect">
+                                  <p:stCondLst>
+                                    <p:cond delay="0"/>
+                                  </p:stCondLst>
+                                  <p:childTnLst>
+                                    <p:set>
+                                      <p:cBhvr>
+                                        <p:cTn id="14" dur="1" fill="hold">
+                                          <p:stCondLst>
+                                            <p:cond delay="0"/>
+                                          </p:stCondLst>
+                                        </p:cTn>
+                                        <p:tgtEl>
+                                          <p:spTgt spid="6"/>
+                                        </p:tgtEl>
+                                        <p:attrNameLst>
+                                          <p:attrName>style.visibility</p:attrName>
+                                        </p:attrNameLst>
+                                      </p:cBhvr>
+                                      <p:to>
+                                        <p:strVal val="visible"/>
+                                      </p:to>
+                                    </p:set>
+                                  </p:childTnLst>
+                                </p:cTn>
+                              </p:par>
+                            </p:childTnLst>
+                          </p:cTn>
+                        </p:par>
+                      </p:childTnLst>
+                    </p:cTn>
+                  </p:par>
+                  <p:par>
+                    <p:cTn id="15" fill="hold">
+                      <p:stCondLst>
+                        <p:cond delay="indefinite"/>
+                      </p:stCondLst>
+                      <p:childTnLst>
+                        <p:par>
+                          <p:cTn id="16" fill="hold">
+                            <p:stCondLst>
+                              <p:cond delay="0"/>
+                            </p:stCondLst>
+                            <p:childTnLst>
+                              <p:par>
+                                <p:cTn id="17" presetID="1" presetClass="entr" presetSubtype="0" fill="hold" grpId="0" nodeType="clickEffect">
+                                  <p:stCondLst>
+                                    <p:cond delay="0"/>
+                                  </p:stCondLst>
+                                  <p:childTnLst>
+                                    <p:set>
+                                      <p:cBhvr>
+                                        <p:cTn id="18" dur="1" fill="hold">
+                                          <p:stCondLst>
+                                            <p:cond delay="0"/>
+                                          </p:stCondLst>
+                                        </p:cTn>
+                                        <p:tgtEl>
+                                          <p:spTgt spid="3">
+                                            <p:txEl>
                                               <p:pRg st="1" end="1"/>
                                             </p:txEl>
                                           </p:spTgt>
@@ -8112,15 +8180,60 @@
                                   </p:childTnLst>
                                 </p:cTn>
                               </p:par>
+                            </p:childTnLst>
+                          </p:cTn>
+                        </p:par>
+                      </p:childTnLst>
+                    </p:cTn>
+                  </p:par>
+                  <p:par>
+                    <p:cTn id="19" fill="hold">
+                      <p:stCondLst>
+                        <p:cond delay="indefinite"/>
+                      </p:stCondLst>
+                      <p:childTnLst>
+                        <p:par>
+                          <p:cTn id="20" fill="hold">
+                            <p:stCondLst>
+                              <p:cond delay="0"/>
+                            </p:stCondLst>
+                            <p:childTnLst>
                               <p:par>
-                                <p:cTn id="11" presetID="1" presetClass="entr" presetSubtype="0" fill="hold" grpId="0" nodeType="withEffect">
+                                <p:cTn id="21" presetID="1" presetClass="entr" presetSubtype="0" fill="hold" nodeType="clickEffect">
                                   <p:stCondLst>
                                     <p:cond delay="0"/>
                                   </p:stCondLst>
                                   <p:childTnLst>
                                     <p:set>
                                       <p:cBhvr>
-                                        <p:cTn id="12" dur="1" fill="hold">
+                                        <p:cTn id="22" dur="1" fill="hold">
+                                          <p:stCondLst>
+                                            <p:cond delay="0"/>
+                                          </p:stCondLst>
+                                        </p:cTn>
+                                        <p:tgtEl>
+                                          <p:spTgt spid="7"/>
+                                        </p:tgtEl>
+                                        <p:attrNameLst>
+                                          <p:attrName>style.visibility</p:attrName>
+                                        </p:attrNameLst>
+                                      </p:cBhvr>
+                                      <p:to>
+                                        <p:strVal val="visible"/>
+                                      </p:to>
+                                    </p:set>
+                                  </p:childTnLst>
+                                </p:cTn>
+                              </p:par>
+                              <p:par>
+                                <p:cTn id="23" presetID="1" presetClass="entr" presetSubtype="0" fill="hold" grpId="0" nodeType="withEffect">
+                                  <p:stCondLst>
+                                    <p:cond delay="0"/>
+                                  </p:stCondLst>
+                                  <p:childTnLst>
+                                    <p:set>
+                                      <p:cBhvr>
+                                        <p:cTn id="24" dur="1" fill="hold">
                                           <p:stCondLst>
                                             <p:cond delay="0"/>
                                           </p:stCondLst>
@@ -8150,26 +8263,26 @@
                     </p:cTn>
                   </p:par>
                   <p:par>
-                    <p:cTn id="13" fill="hold">
+                    <p:cTn id="25" fill="hold">
                       <p:stCondLst>
                         <p:cond delay="indefinite"/>
                       </p:stCondLst>
                       <p:childTnLst>
                         <p:par>
-                          <p:cTn id="14" fill="hold">
+                          <p:cTn id="26" fill="hold">
                             <p:stCondLst>
                               <p:cond delay="0"/>
                             </p:stCondLst>
                             <p:childTnLst>
                               <p:par>
-                                <p:cTn id="15" presetID="1" presetClass="entr" presetSubtype="0" fill="hold" grpId="0" nodeType="clickEffect">
+                                <p:cTn id="27" presetID="1" presetClass="entr" presetSubtype="0" fill="hold" grpId="0" nodeType="clickEffect">
                                   <p:stCondLst>
                                     <p:cond delay="0"/>
                                   </p:stCondLst>
                                   <p:childTnLst>
                                     <p:set>
                                       <p:cBhvr>
-                                        <p:cTn id="16" dur="1" fill="hold">
+                                        <p:cTn id="28" dur="1" fill="hold">
                                           <p:stCondLst>
                                             <p:cond delay="0"/>
                                           </p:stCondLst>
@@ -8199,26 +8312,26 @@
                     </p:cTn>
                   </p:par>
                   <p:par>
-                    <p:cTn id="17" fill="hold">
+                    <p:cTn id="29" fill="hold">
                       <p:stCondLst>
                         <p:cond delay="indefinite"/>
                       </p:stCondLst>
                       <p:childTnLst>
                         <p:par>
-                          <p:cTn id="18" fill="hold">
+                          <p:cTn id="30" fill="hold">
                             <p:stCondLst>
                               <p:cond delay="0"/>
                             </p:stCondLst>
                             <p:childTnLst>
                               <p:par>
-                                <p:cTn id="19" presetID="1" presetClass="entr" presetSubtype="0" fill="hold" grpId="0" nodeType="clickEffect">
+                                <p:cTn id="31" presetID="1" presetClass="entr" presetSubtype="0" fill="hold" grpId="0" nodeType="clickEffect">
                                   <p:stCondLst>
                                     <p:cond delay="0"/>
                                   </p:stCondLst>
                                   <p:childTnLst>
                                     <p:set>
                                       <p:cBhvr>
-                                        <p:cTn id="20" dur="1" fill="hold">
+                                        <p:cTn id="32" dur="1" fill="hold">
                                           <p:stCondLst>
                                             <p:cond delay="0"/>
                                           </p:stCondLst>
@@ -8248,26 +8361,26 @@
                     </p:cTn>
                   </p:par>
                   <p:par>
-                    <p:cTn id="21" fill="hold">
+                    <p:cTn id="33" fill="hold">
                       <p:stCondLst>
                         <p:cond delay="indefinite"/>
                       </p:stCondLst>
                       <p:childTnLst>
                         <p:par>
-                          <p:cTn id="22" fill="hold">
+                          <p:cTn id="34" fill="hold">
                             <p:stCondLst>
                               <p:cond delay="0"/>
                             </p:stCondLst>
                             <p:childTnLst>
                               <p:par>
-                                <p:cTn id="23" presetID="1" presetClass="entr" presetSubtype="0" fill="hold" grpId="0" nodeType="clickEffect">
+                                <p:cTn id="35" presetID="1" presetClass="entr" presetSubtype="0" fill="hold" grpId="0" nodeType="clickEffect">
                                   <p:stCondLst>
                                     <p:cond delay="0"/>
                                   </p:stCondLst>
                                   <p:childTnLst>
                                     <p:set>
                                       <p:cBhvr>
-                                        <p:cTn id="24" dur="1" fill="hold">
+                                        <p:cTn id="36" dur="1" fill="hold">
                                           <p:stCondLst>
                                             <p:cond delay="0"/>
                                           </p:stCondLst>
@@ -8318,13 +8431,13 @@
       </p:par>
     </p:tnLst>
     <p:bldLst>
-      <p:bldP spid="3" grpId="0" build="p"/>
+      <p:bldP spid="3" grpId="0" uiExpand="1" build="p"/>
     </p:bldLst>
   </p:timing>
 </p:sld>
 </file>
 
-<file path=ppt/slides/slide18.xml><?xml version="1.0" encoding="utf-8"?>
+<file path=ppt/slides/slide17.xml><?xml version="1.0" encoding="utf-8"?>
 <p:sld xmlns:a="http://schemas.openxmlformats.org/drawingml/2006/main" xmlns:r="http://schemas.openxmlformats.org/officeDocument/2006/relationships" xmlns:p="http://schemas.openxmlformats.org/presentationml/2006/main">
   <p:cSld>
     <p:spTree>
@@ -8405,31 +8518,31 @@
               <a:lstStyle/>
               <a:p>
                 <a:r>
-                  <a:rPr lang="en-US" dirty="0" smtClean="0"/>
+                  <a:rPr lang="en-US" dirty="0"/>
                   <a:t>In chapter 4 we saw classic least squares regression for numeric prediction</a:t>
                 </a:r>
               </a:p>
               <a:p>
                 <a:r>
-                  <a:rPr lang="en-US" dirty="0" smtClean="0"/>
+                  <a:rPr lang="en-US" dirty="0"/>
                   <a:t>We just saw how SVM can be applied to regression, and how nonlinear problems can be handled using kernels</a:t>
                 </a:r>
               </a:p>
               <a:p>
                 <a:r>
-                  <a:rPr lang="en-US" dirty="0" smtClean="0"/>
+                  <a:rPr lang="en-US" dirty="0"/>
                   <a:t>Kernel regression combines kernel with the simplicity of standard least squares</a:t>
                 </a:r>
               </a:p>
               <a:p>
                 <a:r>
-                  <a:rPr lang="en-US" dirty="0" smtClean="0"/>
+                  <a:rPr lang="en-US" dirty="0"/>
                   <a:t>Kernel regression:</a:t>
                 </a:r>
               </a:p>
               <a:p>
                 <a:r>
-                  <a:rPr lang="en-US" dirty="0" smtClean="0"/>
+                  <a:rPr lang="en-US" dirty="0"/>
                   <a:t>Instead of expressing model’s predicted value as weighted sum of attribute values, express it as weighted sum over dot product of each training instance </a:t>
                 </a:r>
                 <a14:m>
@@ -8462,14 +8575,14 @@
                   </m:oMath>
                 </a14:m>
                 <a:r>
-                  <a:rPr lang="en-US" dirty="0" smtClean="0"/>
+                  <a:rPr lang="en-US" dirty="0"/>
                   <a:t> and the test instance in question:</a:t>
                 </a:r>
                 <a:br>
-                  <a:rPr lang="en-US" dirty="0" smtClean="0"/>
+                  <a:rPr lang="en-US" dirty="0"/>
                 </a:br>
                 <a:r>
-                  <a:rPr lang="en-US" dirty="0" smtClean="0"/>
+                  <a:rPr lang="en-US" dirty="0"/>
                   <a:t>		                                            </a:t>
                 </a:r>
                 <a14:m>
@@ -8580,21 +8693,13 @@
                   </m:oMath>
                 </a14:m>
                 <a:r>
-                  <a:rPr lang="en-US" dirty="0" smtClean="0"/>
-                  <a:t> </a:t>
-                </a:r>
-                <a:r>
                   <a:rPr lang="en-US" dirty="0"/>
-                  <a:t>  </a:t>
-                </a:r>
-                <a:r>
-                  <a:rPr lang="en-US" dirty="0" smtClean="0"/>
-                  <a:t> (assuming no intercept)</a:t>
+                  <a:t>    (assuming no intercept)</a:t>
                 </a:r>
               </a:p>
               <a:p>
                 <a:r>
-                  <a:rPr lang="en-US" dirty="0" smtClean="0"/>
+                  <a:rPr lang="en-US" dirty="0"/>
                   <a:t>Coefficient </a:t>
                 </a:r>
                 <a14:m>
@@ -8628,20 +8733,20 @@
                   </m:oMath>
                 </a14:m>
                 <a:r>
-                  <a:rPr lang="en-US" dirty="0" smtClean="0"/>
+                  <a:rPr lang="en-US" dirty="0"/>
                   <a:t> for each training instance</a:t>
                 </a:r>
               </a:p>
               <a:p>
                 <a:r>
-                  <a:rPr lang="en-US" dirty="0" smtClean="0"/>
+                  <a:rPr lang="en-US" dirty="0"/>
                   <a:t>Sum of squared errors of model’s predictions on training data given by:</a:t>
                 </a:r>
                 <a:br>
-                  <a:rPr lang="en-US" dirty="0" smtClean="0"/>
+                  <a:rPr lang="en-US" dirty="0"/>
                 </a:br>
                 <a:r>
-                  <a:rPr lang="en-US" dirty="0" smtClean="0"/>
+                  <a:rPr lang="en-US" dirty="0"/>
                   <a:t>			</a:t>
                 </a:r>
                 <a14:m>
@@ -8858,13 +8963,13 @@
                   </m:oMath>
                 </a14:m>
                 <a:r>
-                  <a:rPr lang="en-CA" b="0" dirty="0" smtClean="0"/>
+                  <a:rPr lang="en-CA" b="0" dirty="0"/>
                   <a:t> </a:t>
                 </a:r>
               </a:p>
               <a:p>
                 <a:r>
-                  <a:rPr lang="en-CA" dirty="0" smtClean="0"/>
+                  <a:rPr lang="en-CA" dirty="0"/>
                   <a:t>This is squared loss we seek to minimize by choosing appropriate </a:t>
                 </a:r>
                 <a14:m>
@@ -8916,7 +9021,7 @@
                   </m:oMath>
                 </a14:m>
                 <a:r>
-                  <a:rPr lang="en-CA" b="0" dirty="0" smtClean="0"/>
+                  <a:rPr lang="en-CA" b="0" dirty="0"/>
                   <a:t>, but now there is a coefficient for each training instance, not just each attribute</a:t>
                 </a:r>
               </a:p>
@@ -8924,7 +9029,7 @@
                 <a:pPr marL="0" indent="0">
                   <a:buNone/>
                 </a:pPr>
-                <a:endParaRPr lang="en-US" baseline="30000" dirty="0" smtClean="0"/>
+                <a:endParaRPr lang="en-US" baseline="30000" dirty="0"/>
               </a:p>
             </p:txBody>
           </p:sp>
@@ -9411,7 +9516,7 @@
 </p:sld>
 </file>
 
-<file path=ppt/slides/slide19.xml><?xml version="1.0" encoding="utf-8"?>
+<file path=ppt/slides/slide18.xml><?xml version="1.0" encoding="utf-8"?>
 <p:sld xmlns:a="http://schemas.openxmlformats.org/drawingml/2006/main" xmlns:r="http://schemas.openxmlformats.org/officeDocument/2006/relationships" xmlns:p="http://schemas.openxmlformats.org/presentationml/2006/main">
   <p:cSld>
     <p:spTree>
@@ -9764,37 +9869,33 @@
                 </a14:m>
                 <a:r>
                   <a:rPr lang="en-CA" dirty="0"/>
-                  <a:t>, but now there is a coefficient for each training instance, not just each </a:t>
-                </a:r>
-                <a:r>
-                  <a:rPr lang="en-CA" dirty="0" smtClean="0"/>
-                  <a:t>attribute. </a:t>
+                  <a:t>, but now there is a coefficient for each training instance, not just each attribute. </a:t>
                 </a:r>
               </a:p>
               <a:p>
                 <a:r>
-                  <a:rPr lang="en-CA" dirty="0" smtClean="0"/>
+                  <a:rPr lang="en-CA" dirty="0"/>
                   <a:t>Leads to risk of overfitting when kernel function is used instead of dot product, to obtain a nonlinear model</a:t>
                 </a:r>
               </a:p>
               <a:p>
                 <a:r>
-                  <a:rPr lang="en-CA" dirty="0" smtClean="0"/>
+                  <a:rPr lang="en-CA" dirty="0"/>
                   <a:t>The </a:t>
                 </a:r>
                 <a:r>
-                  <a:rPr lang="en-CA" i="1" dirty="0" smtClean="0"/>
+                  <a:rPr lang="en-CA" i="1" dirty="0"/>
                   <a:t>ridge </a:t>
                 </a:r>
                 <a:r>
-                  <a:rPr lang="en-CA" dirty="0" smtClean="0"/>
+                  <a:rPr lang="en-CA" dirty="0"/>
                   <a:t>part of ridge regression introduces a penalty term:</a:t>
                 </a:r>
                 <a:br>
-                  <a:rPr lang="en-CA" dirty="0" smtClean="0"/>
+                  <a:rPr lang="en-CA" dirty="0"/>
                 </a:br>
                 <a:r>
-                  <a:rPr lang="en-CA" dirty="0" smtClean="0"/>
+                  <a:rPr lang="en-CA" dirty="0"/>
                   <a:t>	</a:t>
                 </a:r>
                 <a14:m>
@@ -10209,7 +10310,7 @@
               </a:p>
               <a:p>
                 <a:r>
-                  <a:rPr lang="en-US" dirty="0" smtClean="0"/>
+                  <a:rPr lang="en-US" dirty="0"/>
                   <a:t>The second sum penalizes large coefficients, preventing the model from placing too much emphasis on individual training instances</a:t>
                 </a:r>
               </a:p>
@@ -10225,22 +10326,21 @@
                   </m:oMath>
                 </a14:m>
                 <a:r>
-                  <a:rPr lang="en-US" dirty="0" smtClean="0"/>
+                  <a:rPr lang="en-US" dirty="0"/>
                   <a:t> controls tradeoff between goodness of fit and model complexity</a:t>
                 </a:r>
               </a:p>
               <a:p>
                 <a:r>
-                  <a:rPr lang="en-US" dirty="0" smtClean="0"/>
+                  <a:rPr lang="en-US" dirty="0"/>
                   <a:t>Has advantage of computational simplicity, but lacks sparsity (unlike SVM)</a:t>
                 </a:r>
               </a:p>
               <a:p>
                 <a:r>
-                  <a:rPr lang="en-US" dirty="0" smtClean="0"/>
+                  <a:rPr lang="en-US" dirty="0"/>
                   <a:t>Use kernel ridge regression if nonlinear fit is desired or #attributes &gt; #instances</a:t>
                 </a:r>
-                <a:endParaRPr lang="en-US" dirty="0"/>
               </a:p>
             </p:txBody>
           </p:sp>
@@ -10727,6 +10827,514 @@
 </p:sld>
 </file>
 
+<file path=ppt/slides/slide19.xml><?xml version="1.0" encoding="utf-8"?>
+<p:sld xmlns:a="http://schemas.openxmlformats.org/drawingml/2006/main" xmlns:r="http://schemas.openxmlformats.org/officeDocument/2006/relationships" xmlns:p="http://schemas.openxmlformats.org/presentationml/2006/main">
+  <p:cSld>
+    <p:spTree>
+      <p:nvGrpSpPr>
+        <p:cNvPr id="1" name=""/>
+        <p:cNvGrpSpPr/>
+        <p:nvPr/>
+      </p:nvGrpSpPr>
+      <p:grpSpPr>
+        <a:xfrm>
+          <a:off x="0" y="0"/>
+          <a:ext cx="0" cy="0"/>
+          <a:chOff x="0" y="0"/>
+          <a:chExt cx="0" cy="0"/>
+        </a:xfrm>
+      </p:grpSpPr>
+      <p:sp>
+        <p:nvSpPr>
+          <p:cNvPr id="2" name="Title 1"/>
+          <p:cNvSpPr>
+            <a:spLocks noGrp="1"/>
+          </p:cNvSpPr>
+          <p:nvPr>
+            <p:ph type="title"/>
+          </p:nvPr>
+        </p:nvSpPr>
+        <p:spPr>
+          <a:xfrm>
+            <a:off x="0" y="0"/>
+            <a:ext cx="10515600" cy="886691"/>
+          </a:xfrm>
+        </p:spPr>
+        <p:txBody>
+          <a:bodyPr/>
+          <a:lstStyle/>
+          <a:p>
+            <a:r>
+              <a:rPr lang="en-CA" dirty="0"/>
+              <a:t>Kernel perceptron</a:t>
+            </a:r>
+          </a:p>
+        </p:txBody>
+      </p:sp>
+      <p:sp>
+        <p:nvSpPr>
+          <p:cNvPr id="3" name="Content Placeholder 2"/>
+          <p:cNvSpPr>
+            <a:spLocks noGrp="1"/>
+          </p:cNvSpPr>
+          <p:nvPr>
+            <p:ph idx="1"/>
+          </p:nvPr>
+        </p:nvSpPr>
+        <p:spPr>
+          <a:xfrm>
+            <a:off x="0" y="886692"/>
+            <a:ext cx="12192000" cy="2299854"/>
+          </a:xfrm>
+        </p:spPr>
+        <p:txBody>
+          <a:bodyPr/>
+          <a:lstStyle/>
+          <a:p>
+            <a:r>
+              <a:rPr lang="en-CA" dirty="0"/>
+              <a:t>Chapter 4 we saw the perceptron which could not handle </a:t>
+            </a:r>
+            <a:r>
+              <a:rPr lang="en-CA" dirty="0" err="1"/>
+              <a:t>xor</a:t>
+            </a:r>
+            <a:r>
+              <a:rPr lang="en-CA" dirty="0"/>
+              <a:t> function (or any classification problem with non-linear class boundary)</a:t>
+            </a:r>
+          </a:p>
+          <a:p>
+            <a:endParaRPr lang="en-CA" dirty="0"/>
+          </a:p>
+          <a:p>
+            <a:endParaRPr lang="en-CA" dirty="0"/>
+          </a:p>
+        </p:txBody>
+      </p:sp>
+      <p:pic>
+        <p:nvPicPr>
+          <p:cNvPr id="10" name="Picture 9"/>
+          <p:cNvPicPr>
+            <a:picLocks noChangeAspect="1"/>
+          </p:cNvPicPr>
+          <p:nvPr/>
+        </p:nvPicPr>
+        <p:blipFill>
+          <a:blip r:embed="rId2"/>
+          <a:stretch>
+            <a:fillRect/>
+          </a:stretch>
+        </p:blipFill>
+        <p:spPr>
+          <a:xfrm>
+            <a:off x="4239341" y="2810551"/>
+            <a:ext cx="3759483" cy="2959238"/>
+          </a:xfrm>
+          <a:prstGeom prst="rect">
+            <a:avLst/>
+          </a:prstGeom>
+        </p:spPr>
+      </p:pic>
+      <p:pic>
+        <p:nvPicPr>
+          <p:cNvPr id="11" name="Picture 10"/>
+          <p:cNvPicPr>
+            <a:picLocks noChangeAspect="1"/>
+          </p:cNvPicPr>
+          <p:nvPr/>
+        </p:nvPicPr>
+        <p:blipFill>
+          <a:blip r:embed="rId3"/>
+          <a:stretch>
+            <a:fillRect/>
+          </a:stretch>
+        </p:blipFill>
+        <p:spPr>
+          <a:xfrm>
+            <a:off x="166254" y="2793879"/>
+            <a:ext cx="3726140" cy="2992582"/>
+          </a:xfrm>
+          <a:prstGeom prst="rect">
+            <a:avLst/>
+          </a:prstGeom>
+        </p:spPr>
+      </p:pic>
+      <p:sp>
+        <p:nvSpPr>
+          <p:cNvPr id="12" name="TextBox 11"/>
+          <p:cNvSpPr txBox="1"/>
+          <p:nvPr/>
+        </p:nvSpPr>
+        <p:spPr>
+          <a:xfrm>
+            <a:off x="166254" y="2424547"/>
+            <a:ext cx="1569725" cy="369332"/>
+          </a:xfrm>
+          <a:prstGeom prst="rect">
+            <a:avLst/>
+          </a:prstGeom>
+          <a:noFill/>
+        </p:spPr>
+        <p:txBody>
+          <a:bodyPr wrap="none" rtlCol="0">
+            <a:spAutoFit/>
+          </a:bodyPr>
+          <a:lstStyle/>
+          <a:p>
+            <a:r>
+              <a:rPr lang="en-CA" dirty="0"/>
+              <a:t>100% accuracy</a:t>
+            </a:r>
+          </a:p>
+        </p:txBody>
+      </p:sp>
+      <p:sp>
+        <p:nvSpPr>
+          <p:cNvPr id="13" name="TextBox 12"/>
+          <p:cNvSpPr txBox="1"/>
+          <p:nvPr/>
+        </p:nvSpPr>
+        <p:spPr>
+          <a:xfrm>
+            <a:off x="4890654" y="2424547"/>
+            <a:ext cx="1452705" cy="369332"/>
+          </a:xfrm>
+          <a:prstGeom prst="rect">
+            <a:avLst/>
+          </a:prstGeom>
+          <a:noFill/>
+        </p:spPr>
+        <p:txBody>
+          <a:bodyPr wrap="none" rtlCol="0">
+            <a:spAutoFit/>
+          </a:bodyPr>
+          <a:lstStyle/>
+          <a:p>
+            <a:r>
+              <a:rPr lang="en-CA" dirty="0"/>
+              <a:t>85% accuracy</a:t>
+            </a:r>
+          </a:p>
+        </p:txBody>
+      </p:sp>
+      <p:pic>
+        <p:nvPicPr>
+          <p:cNvPr id="14" name="Picture 13"/>
+          <p:cNvPicPr>
+            <a:picLocks noChangeAspect="1"/>
+          </p:cNvPicPr>
+          <p:nvPr/>
+        </p:nvPicPr>
+        <p:blipFill>
+          <a:blip r:embed="rId4"/>
+          <a:stretch>
+            <a:fillRect/>
+          </a:stretch>
+        </p:blipFill>
+        <p:spPr>
+          <a:xfrm>
+            <a:off x="8345771" y="2829190"/>
+            <a:ext cx="3749247" cy="2957271"/>
+          </a:xfrm>
+          <a:prstGeom prst="rect">
+            <a:avLst/>
+          </a:prstGeom>
+        </p:spPr>
+      </p:pic>
+      <p:sp>
+        <p:nvSpPr>
+          <p:cNvPr id="15" name="TextBox 14"/>
+          <p:cNvSpPr txBox="1"/>
+          <p:nvPr/>
+        </p:nvSpPr>
+        <p:spPr>
+          <a:xfrm>
+            <a:off x="9804113" y="2424547"/>
+            <a:ext cx="1452705" cy="369332"/>
+          </a:xfrm>
+          <a:prstGeom prst="rect">
+            <a:avLst/>
+          </a:prstGeom>
+          <a:noFill/>
+        </p:spPr>
+        <p:txBody>
+          <a:bodyPr wrap="none" rtlCol="0">
+            <a:spAutoFit/>
+          </a:bodyPr>
+          <a:lstStyle/>
+          <a:p>
+            <a:r>
+              <a:rPr lang="en-CA" dirty="0"/>
+              <a:t>50% accuracy</a:t>
+            </a:r>
+          </a:p>
+        </p:txBody>
+      </p:sp>
+    </p:spTree>
+    <p:extLst>
+      <p:ext uri="{BB962C8B-B14F-4D97-AF65-F5344CB8AC3E}">
+        <p14:creationId xmlns:p14="http://schemas.microsoft.com/office/powerpoint/2010/main" val="1926560076"/>
+      </p:ext>
+    </p:extLst>
+  </p:cSld>
+  <p:clrMapOvr>
+    <a:masterClrMapping/>
+  </p:clrMapOvr>
+  <p:timing>
+    <p:tnLst>
+      <p:par>
+        <p:cTn id="1" dur="indefinite" restart="never" nodeType="tmRoot">
+          <p:childTnLst>
+            <p:seq concurrent="1" nextAc="seek">
+              <p:cTn id="2" dur="indefinite" nodeType="mainSeq">
+                <p:childTnLst>
+                  <p:par>
+                    <p:cTn id="3" fill="hold">
+                      <p:stCondLst>
+                        <p:cond delay="indefinite"/>
+                      </p:stCondLst>
+                      <p:childTnLst>
+                        <p:par>
+                          <p:cTn id="4" fill="hold">
+                            <p:stCondLst>
+                              <p:cond delay="0"/>
+                            </p:stCondLst>
+                            <p:childTnLst>
+                              <p:par>
+                                <p:cTn id="5" presetID="1" presetClass="entr" presetSubtype="0" fill="hold" nodeType="clickEffect">
+                                  <p:stCondLst>
+                                    <p:cond delay="0"/>
+                                  </p:stCondLst>
+                                  <p:childTnLst>
+                                    <p:set>
+                                      <p:cBhvr>
+                                        <p:cTn id="6" dur="1" fill="hold">
+                                          <p:stCondLst>
+                                            <p:cond delay="0"/>
+                                          </p:stCondLst>
+                                        </p:cTn>
+                                        <p:tgtEl>
+                                          <p:spTgt spid="11"/>
+                                        </p:tgtEl>
+                                        <p:attrNameLst>
+                                          <p:attrName>style.visibility</p:attrName>
+                                        </p:attrNameLst>
+                                      </p:cBhvr>
+                                      <p:to>
+                                        <p:strVal val="visible"/>
+                                      </p:to>
+                                    </p:set>
+                                  </p:childTnLst>
+                                </p:cTn>
+                              </p:par>
+                              <p:par>
+                                <p:cTn id="7" presetID="1" presetClass="entr" presetSubtype="0" fill="hold" grpId="0" nodeType="withEffect">
+                                  <p:stCondLst>
+                                    <p:cond delay="0"/>
+                                  </p:stCondLst>
+                                  <p:childTnLst>
+                                    <p:set>
+                                      <p:cBhvr>
+                                        <p:cTn id="8" dur="1" fill="hold">
+                                          <p:stCondLst>
+                                            <p:cond delay="0"/>
+                                          </p:stCondLst>
+                                        </p:cTn>
+                                        <p:tgtEl>
+                                          <p:spTgt spid="12"/>
+                                        </p:tgtEl>
+                                        <p:attrNameLst>
+                                          <p:attrName>style.visibility</p:attrName>
+                                        </p:attrNameLst>
+                                      </p:cBhvr>
+                                      <p:to>
+                                        <p:strVal val="visible"/>
+                                      </p:to>
+                                    </p:set>
+                                  </p:childTnLst>
+                                </p:cTn>
+                              </p:par>
+                            </p:childTnLst>
+                          </p:cTn>
+                        </p:par>
+                      </p:childTnLst>
+                    </p:cTn>
+                  </p:par>
+                  <p:par>
+                    <p:cTn id="9" fill="hold">
+                      <p:stCondLst>
+                        <p:cond delay="indefinite"/>
+                      </p:stCondLst>
+                      <p:childTnLst>
+                        <p:par>
+                          <p:cTn id="10" fill="hold">
+                            <p:stCondLst>
+                              <p:cond delay="0"/>
+                            </p:stCondLst>
+                            <p:childTnLst>
+                              <p:par>
+                                <p:cTn id="11" presetID="1" presetClass="entr" presetSubtype="0" fill="hold" grpId="0" nodeType="clickEffect">
+                                  <p:stCondLst>
+                                    <p:cond delay="0"/>
+                                  </p:stCondLst>
+                                  <p:childTnLst>
+                                    <p:set>
+                                      <p:cBhvr>
+                                        <p:cTn id="12" dur="1" fill="hold">
+                                          <p:stCondLst>
+                                            <p:cond delay="0"/>
+                                          </p:stCondLst>
+                                        </p:cTn>
+                                        <p:tgtEl>
+                                          <p:spTgt spid="13"/>
+                                        </p:tgtEl>
+                                        <p:attrNameLst>
+                                          <p:attrName>style.visibility</p:attrName>
+                                        </p:attrNameLst>
+                                      </p:cBhvr>
+                                      <p:to>
+                                        <p:strVal val="visible"/>
+                                      </p:to>
+                                    </p:set>
+                                  </p:childTnLst>
+                                </p:cTn>
+                              </p:par>
+                              <p:par>
+                                <p:cTn id="13" presetID="1" presetClass="entr" presetSubtype="0" fill="hold" nodeType="withEffect">
+                                  <p:stCondLst>
+                                    <p:cond delay="0"/>
+                                  </p:stCondLst>
+                                  <p:childTnLst>
+                                    <p:set>
+                                      <p:cBhvr>
+                                        <p:cTn id="14" dur="1" fill="hold">
+                                          <p:stCondLst>
+                                            <p:cond delay="0"/>
+                                          </p:stCondLst>
+                                        </p:cTn>
+                                        <p:tgtEl>
+                                          <p:spTgt spid="10"/>
+                                        </p:tgtEl>
+                                        <p:attrNameLst>
+                                          <p:attrName>style.visibility</p:attrName>
+                                        </p:attrNameLst>
+                                      </p:cBhvr>
+                                      <p:to>
+                                        <p:strVal val="visible"/>
+                                      </p:to>
+                                    </p:set>
+                                  </p:childTnLst>
+                                </p:cTn>
+                              </p:par>
+                            </p:childTnLst>
+                          </p:cTn>
+                        </p:par>
+                      </p:childTnLst>
+                    </p:cTn>
+                  </p:par>
+                  <p:par>
+                    <p:cTn id="15" fill="hold">
+                      <p:stCondLst>
+                        <p:cond delay="indefinite"/>
+                      </p:stCondLst>
+                      <p:childTnLst>
+                        <p:par>
+                          <p:cTn id="16" fill="hold">
+                            <p:stCondLst>
+                              <p:cond delay="0"/>
+                            </p:stCondLst>
+                            <p:childTnLst>
+                              <p:par>
+                                <p:cTn id="17" presetID="1" presetClass="entr" presetSubtype="0" fill="hold" grpId="0" nodeType="clickEffect">
+                                  <p:stCondLst>
+                                    <p:cond delay="0"/>
+                                  </p:stCondLst>
+                                  <p:childTnLst>
+                                    <p:set>
+                                      <p:cBhvr>
+                                        <p:cTn id="18" dur="1" fill="hold">
+                                          <p:stCondLst>
+                                            <p:cond delay="0"/>
+                                          </p:stCondLst>
+                                        </p:cTn>
+                                        <p:tgtEl>
+                                          <p:spTgt spid="15"/>
+                                        </p:tgtEl>
+                                        <p:attrNameLst>
+                                          <p:attrName>style.visibility</p:attrName>
+                                        </p:attrNameLst>
+                                      </p:cBhvr>
+                                      <p:to>
+                                        <p:strVal val="visible"/>
+                                      </p:to>
+                                    </p:set>
+                                  </p:childTnLst>
+                                </p:cTn>
+                              </p:par>
+                              <p:par>
+                                <p:cTn id="19" presetID="1" presetClass="entr" presetSubtype="0" fill="hold" nodeType="withEffect">
+                                  <p:stCondLst>
+                                    <p:cond delay="0"/>
+                                  </p:stCondLst>
+                                  <p:childTnLst>
+                                    <p:set>
+                                      <p:cBhvr>
+                                        <p:cTn id="20" dur="1" fill="hold">
+                                          <p:stCondLst>
+                                            <p:cond delay="0"/>
+                                          </p:stCondLst>
+                                        </p:cTn>
+                                        <p:tgtEl>
+                                          <p:spTgt spid="14"/>
+                                        </p:tgtEl>
+                                        <p:attrNameLst>
+                                          <p:attrName>style.visibility</p:attrName>
+                                        </p:attrNameLst>
+                                      </p:cBhvr>
+                                      <p:to>
+                                        <p:strVal val="visible"/>
+                                      </p:to>
+                                    </p:set>
+                                  </p:childTnLst>
+                                </p:cTn>
+                              </p:par>
+                            </p:childTnLst>
+                          </p:cTn>
+                        </p:par>
+                      </p:childTnLst>
+                    </p:cTn>
+                  </p:par>
+                </p:childTnLst>
+              </p:cTn>
+              <p:prevCondLst>
+                <p:cond evt="onPrev" delay="0">
+                  <p:tgtEl>
+                    <p:sldTgt/>
+                  </p:tgtEl>
+                </p:cond>
+              </p:prevCondLst>
+              <p:nextCondLst>
+                <p:cond evt="onNext" delay="0">
+                  <p:tgtEl>
+                    <p:sldTgt/>
+                  </p:tgtEl>
+                </p:cond>
+              </p:nextCondLst>
+            </p:seq>
+          </p:childTnLst>
+        </p:cTn>
+      </p:par>
+    </p:tnLst>
+    <p:bldLst>
+      <p:bldP spid="12" grpId="0"/>
+      <p:bldP spid="13" grpId="0"/>
+      <p:bldP spid="15" grpId="0"/>
+    </p:bldLst>
+  </p:timing>
+</p:sld>
+</file>
+
 <file path=ppt/slides/slide2.xml><?xml version="1.0" encoding="utf-8"?>
 <p:sld xmlns:a="http://schemas.openxmlformats.org/drawingml/2006/main" xmlns:r="http://schemas.openxmlformats.org/officeDocument/2006/relationships" xmlns:p="http://schemas.openxmlformats.org/presentationml/2006/main">
   <p:cSld>
@@ -10904,15 +11512,7 @@
           <a:p>
             <a:r>
               <a:rPr lang="en-US" dirty="0"/>
-              <a:t>Chapter 7: extending instance-based </a:t>
-            </a:r>
-            <a:r>
-              <a:rPr lang="en-US" dirty="0" smtClean="0"/>
-              <a:t>and </a:t>
-            </a:r>
-            <a:r>
-              <a:rPr lang="en-US" dirty="0"/>
-              <a:t>linear models</a:t>
+              <a:t>Chapter 7: extending instance-based and linear models</a:t>
             </a:r>
           </a:p>
         </p:txBody>
@@ -11508,527 +12108,14 @@
           <a:lstStyle/>
           <a:p>
             <a:r>
-              <a:rPr lang="en-CA" dirty="0" smtClean="0"/>
+              <a:rPr lang="en-CA" dirty="0"/>
               <a:t>Kernel perceptron</a:t>
             </a:r>
-            <a:endParaRPr lang="en-CA" dirty="0"/>
           </a:p>
         </p:txBody>
       </p:sp>
-      <p:sp>
-        <p:nvSpPr>
-          <p:cNvPr id="3" name="Content Placeholder 2"/>
-          <p:cNvSpPr>
-            <a:spLocks noGrp="1"/>
-          </p:cNvSpPr>
-          <p:nvPr>
-            <p:ph idx="1"/>
-          </p:nvPr>
-        </p:nvSpPr>
-        <p:spPr>
-          <a:xfrm>
-            <a:off x="0" y="886692"/>
-            <a:ext cx="12192000" cy="2299854"/>
-          </a:xfrm>
-        </p:spPr>
-        <p:txBody>
-          <a:bodyPr/>
-          <a:lstStyle/>
-          <a:p>
-            <a:r>
-              <a:rPr lang="en-CA" dirty="0" smtClean="0"/>
-              <a:t>Chapter 4 we saw the perceptron which could not handle </a:t>
-            </a:r>
-            <a:r>
-              <a:rPr lang="en-CA" dirty="0" err="1" smtClean="0"/>
-              <a:t>xor</a:t>
-            </a:r>
-            <a:r>
-              <a:rPr lang="en-CA" dirty="0" smtClean="0"/>
-              <a:t> function (or any classification problem with non-linear class boundary)</a:t>
-            </a:r>
-          </a:p>
-          <a:p>
-            <a:endParaRPr lang="en-CA" dirty="0" smtClean="0"/>
-          </a:p>
-          <a:p>
-            <a:endParaRPr lang="en-CA" dirty="0"/>
-          </a:p>
-        </p:txBody>
-      </p:sp>
-      <p:pic>
-        <p:nvPicPr>
-          <p:cNvPr id="10" name="Picture 9"/>
-          <p:cNvPicPr>
-            <a:picLocks noChangeAspect="1"/>
-          </p:cNvPicPr>
-          <p:nvPr/>
-        </p:nvPicPr>
-        <p:blipFill>
-          <a:blip r:embed="rId2"/>
-          <a:stretch>
-            <a:fillRect/>
-          </a:stretch>
-        </p:blipFill>
-        <p:spPr>
-          <a:xfrm>
-            <a:off x="4239341" y="2810551"/>
-            <a:ext cx="3759483" cy="2959238"/>
-          </a:xfrm>
-          <a:prstGeom prst="rect">
-            <a:avLst/>
-          </a:prstGeom>
-        </p:spPr>
-      </p:pic>
-      <p:pic>
-        <p:nvPicPr>
-          <p:cNvPr id="11" name="Picture 10"/>
-          <p:cNvPicPr>
-            <a:picLocks noChangeAspect="1"/>
-          </p:cNvPicPr>
-          <p:nvPr/>
-        </p:nvPicPr>
-        <p:blipFill>
-          <a:blip r:embed="rId3"/>
-          <a:stretch>
-            <a:fillRect/>
-          </a:stretch>
-        </p:blipFill>
-        <p:spPr>
-          <a:xfrm>
-            <a:off x="166254" y="2793879"/>
-            <a:ext cx="3726140" cy="2992582"/>
-          </a:xfrm>
-          <a:prstGeom prst="rect">
-            <a:avLst/>
-          </a:prstGeom>
-        </p:spPr>
-      </p:pic>
-      <p:sp>
-        <p:nvSpPr>
-          <p:cNvPr id="12" name="TextBox 11"/>
-          <p:cNvSpPr txBox="1"/>
-          <p:nvPr/>
-        </p:nvSpPr>
-        <p:spPr>
-          <a:xfrm>
-            <a:off x="166254" y="2424547"/>
-            <a:ext cx="1569725" cy="369332"/>
-          </a:xfrm>
-          <a:prstGeom prst="rect">
-            <a:avLst/>
-          </a:prstGeom>
-          <a:noFill/>
-        </p:spPr>
-        <p:txBody>
-          <a:bodyPr wrap="none" rtlCol="0">
-            <a:spAutoFit/>
-          </a:bodyPr>
-          <a:lstStyle/>
-          <a:p>
-            <a:r>
-              <a:rPr lang="en-CA" dirty="0" smtClean="0"/>
-              <a:t>100% accuracy</a:t>
-            </a:r>
-            <a:endParaRPr lang="en-CA" dirty="0"/>
-          </a:p>
-        </p:txBody>
-      </p:sp>
-      <p:sp>
-        <p:nvSpPr>
-          <p:cNvPr id="13" name="TextBox 12"/>
-          <p:cNvSpPr txBox="1"/>
-          <p:nvPr/>
-        </p:nvSpPr>
-        <p:spPr>
-          <a:xfrm>
-            <a:off x="4890654" y="2424547"/>
-            <a:ext cx="1452705" cy="369332"/>
-          </a:xfrm>
-          <a:prstGeom prst="rect">
-            <a:avLst/>
-          </a:prstGeom>
-          <a:noFill/>
-        </p:spPr>
-        <p:txBody>
-          <a:bodyPr wrap="none" rtlCol="0">
-            <a:spAutoFit/>
-          </a:bodyPr>
-          <a:lstStyle/>
-          <a:p>
-            <a:r>
-              <a:rPr lang="en-CA" dirty="0" smtClean="0"/>
-              <a:t>85% accuracy</a:t>
-            </a:r>
-            <a:endParaRPr lang="en-CA" dirty="0"/>
-          </a:p>
-        </p:txBody>
-      </p:sp>
-      <p:pic>
-        <p:nvPicPr>
-          <p:cNvPr id="14" name="Picture 13"/>
-          <p:cNvPicPr>
-            <a:picLocks noChangeAspect="1"/>
-          </p:cNvPicPr>
-          <p:nvPr/>
-        </p:nvPicPr>
-        <p:blipFill>
-          <a:blip r:embed="rId4"/>
-          <a:stretch>
-            <a:fillRect/>
-          </a:stretch>
-        </p:blipFill>
-        <p:spPr>
-          <a:xfrm>
-            <a:off x="8345771" y="2829190"/>
-            <a:ext cx="3749247" cy="2957271"/>
-          </a:xfrm>
-          <a:prstGeom prst="rect">
-            <a:avLst/>
-          </a:prstGeom>
-        </p:spPr>
-      </p:pic>
-      <p:sp>
-        <p:nvSpPr>
-          <p:cNvPr id="15" name="TextBox 14"/>
-          <p:cNvSpPr txBox="1"/>
-          <p:nvPr/>
-        </p:nvSpPr>
-        <p:spPr>
-          <a:xfrm>
-            <a:off x="9804113" y="2424547"/>
-            <a:ext cx="1452705" cy="369332"/>
-          </a:xfrm>
-          <a:prstGeom prst="rect">
-            <a:avLst/>
-          </a:prstGeom>
-          <a:noFill/>
-        </p:spPr>
-        <p:txBody>
-          <a:bodyPr wrap="none" rtlCol="0">
-            <a:spAutoFit/>
-          </a:bodyPr>
-          <a:lstStyle/>
-          <a:p>
-            <a:r>
-              <a:rPr lang="en-CA" dirty="0" smtClean="0"/>
-              <a:t>50% accuracy</a:t>
-            </a:r>
-            <a:endParaRPr lang="en-CA" dirty="0"/>
-          </a:p>
-        </p:txBody>
-      </p:sp>
-    </p:spTree>
-    <p:extLst>
-      <p:ext uri="{BB962C8B-B14F-4D97-AF65-F5344CB8AC3E}">
-        <p14:creationId xmlns:p14="http://schemas.microsoft.com/office/powerpoint/2010/main" val="1926560076"/>
-      </p:ext>
-    </p:extLst>
-  </p:cSld>
-  <p:clrMapOvr>
-    <a:masterClrMapping/>
-  </p:clrMapOvr>
-  <p:timing>
-    <p:tnLst>
-      <p:par>
-        <p:cTn id="1" dur="indefinite" restart="never" nodeType="tmRoot">
-          <p:childTnLst>
-            <p:seq concurrent="1" nextAc="seek">
-              <p:cTn id="2" dur="indefinite" nodeType="mainSeq">
-                <p:childTnLst>
-                  <p:par>
-                    <p:cTn id="3" fill="hold">
-                      <p:stCondLst>
-                        <p:cond delay="indefinite"/>
-                      </p:stCondLst>
-                      <p:childTnLst>
-                        <p:par>
-                          <p:cTn id="4" fill="hold">
-                            <p:stCondLst>
-                              <p:cond delay="0"/>
-                            </p:stCondLst>
-                            <p:childTnLst>
-                              <p:par>
-                                <p:cTn id="5" presetID="1" presetClass="entr" presetSubtype="0" fill="hold" nodeType="clickEffect">
-                                  <p:stCondLst>
-                                    <p:cond delay="0"/>
-                                  </p:stCondLst>
-                                  <p:childTnLst>
-                                    <p:set>
-                                      <p:cBhvr>
-                                        <p:cTn id="6" dur="1" fill="hold">
-                                          <p:stCondLst>
-                                            <p:cond delay="0"/>
-                                          </p:stCondLst>
-                                        </p:cTn>
-                                        <p:tgtEl>
-                                          <p:spTgt spid="11"/>
-                                        </p:tgtEl>
-                                        <p:attrNameLst>
-                                          <p:attrName>style.visibility</p:attrName>
-                                        </p:attrNameLst>
-                                      </p:cBhvr>
-                                      <p:to>
-                                        <p:strVal val="visible"/>
-                                      </p:to>
-                                    </p:set>
-                                  </p:childTnLst>
-                                </p:cTn>
-                              </p:par>
-                              <p:par>
-                                <p:cTn id="7" presetID="1" presetClass="entr" presetSubtype="0" fill="hold" grpId="0" nodeType="withEffect">
-                                  <p:stCondLst>
-                                    <p:cond delay="0"/>
-                                  </p:stCondLst>
-                                  <p:childTnLst>
-                                    <p:set>
-                                      <p:cBhvr>
-                                        <p:cTn id="8" dur="1" fill="hold">
-                                          <p:stCondLst>
-                                            <p:cond delay="0"/>
-                                          </p:stCondLst>
-                                        </p:cTn>
-                                        <p:tgtEl>
-                                          <p:spTgt spid="12"/>
-                                        </p:tgtEl>
-                                        <p:attrNameLst>
-                                          <p:attrName>style.visibility</p:attrName>
-                                        </p:attrNameLst>
-                                      </p:cBhvr>
-                                      <p:to>
-                                        <p:strVal val="visible"/>
-                                      </p:to>
-                                    </p:set>
-                                  </p:childTnLst>
-                                </p:cTn>
-                              </p:par>
-                            </p:childTnLst>
-                          </p:cTn>
-                        </p:par>
-                      </p:childTnLst>
-                    </p:cTn>
-                  </p:par>
-                  <p:par>
-                    <p:cTn id="9" fill="hold">
-                      <p:stCondLst>
-                        <p:cond delay="indefinite"/>
-                      </p:stCondLst>
-                      <p:childTnLst>
-                        <p:par>
-                          <p:cTn id="10" fill="hold">
-                            <p:stCondLst>
-                              <p:cond delay="0"/>
-                            </p:stCondLst>
-                            <p:childTnLst>
-                              <p:par>
-                                <p:cTn id="11" presetID="1" presetClass="entr" presetSubtype="0" fill="hold" grpId="0" nodeType="clickEffect">
-                                  <p:stCondLst>
-                                    <p:cond delay="0"/>
-                                  </p:stCondLst>
-                                  <p:childTnLst>
-                                    <p:set>
-                                      <p:cBhvr>
-                                        <p:cTn id="12" dur="1" fill="hold">
-                                          <p:stCondLst>
-                                            <p:cond delay="0"/>
-                                          </p:stCondLst>
-                                        </p:cTn>
-                                        <p:tgtEl>
-                                          <p:spTgt spid="13"/>
-                                        </p:tgtEl>
-                                        <p:attrNameLst>
-                                          <p:attrName>style.visibility</p:attrName>
-                                        </p:attrNameLst>
-                                      </p:cBhvr>
-                                      <p:to>
-                                        <p:strVal val="visible"/>
-                                      </p:to>
-                                    </p:set>
-                                  </p:childTnLst>
-                                </p:cTn>
-                              </p:par>
-                              <p:par>
-                                <p:cTn id="13" presetID="1" presetClass="entr" presetSubtype="0" fill="hold" nodeType="withEffect">
-                                  <p:stCondLst>
-                                    <p:cond delay="0"/>
-                                  </p:stCondLst>
-                                  <p:childTnLst>
-                                    <p:set>
-                                      <p:cBhvr>
-                                        <p:cTn id="14" dur="1" fill="hold">
-                                          <p:stCondLst>
-                                            <p:cond delay="0"/>
-                                          </p:stCondLst>
-                                        </p:cTn>
-                                        <p:tgtEl>
-                                          <p:spTgt spid="10"/>
-                                        </p:tgtEl>
-                                        <p:attrNameLst>
-                                          <p:attrName>style.visibility</p:attrName>
-                                        </p:attrNameLst>
-                                      </p:cBhvr>
-                                      <p:to>
-                                        <p:strVal val="visible"/>
-                                      </p:to>
-                                    </p:set>
-                                  </p:childTnLst>
-                                </p:cTn>
-                              </p:par>
-                            </p:childTnLst>
-                          </p:cTn>
-                        </p:par>
-                      </p:childTnLst>
-                    </p:cTn>
-                  </p:par>
-                  <p:par>
-                    <p:cTn id="15" fill="hold">
-                      <p:stCondLst>
-                        <p:cond delay="indefinite"/>
-                      </p:stCondLst>
-                      <p:childTnLst>
-                        <p:par>
-                          <p:cTn id="16" fill="hold">
-                            <p:stCondLst>
-                              <p:cond delay="0"/>
-                            </p:stCondLst>
-                            <p:childTnLst>
-                              <p:par>
-                                <p:cTn id="17" presetID="1" presetClass="entr" presetSubtype="0" fill="hold" grpId="0" nodeType="clickEffect">
-                                  <p:stCondLst>
-                                    <p:cond delay="0"/>
-                                  </p:stCondLst>
-                                  <p:childTnLst>
-                                    <p:set>
-                                      <p:cBhvr>
-                                        <p:cTn id="18" dur="1" fill="hold">
-                                          <p:stCondLst>
-                                            <p:cond delay="0"/>
-                                          </p:stCondLst>
-                                        </p:cTn>
-                                        <p:tgtEl>
-                                          <p:spTgt spid="15"/>
-                                        </p:tgtEl>
-                                        <p:attrNameLst>
-                                          <p:attrName>style.visibility</p:attrName>
-                                        </p:attrNameLst>
-                                      </p:cBhvr>
-                                      <p:to>
-                                        <p:strVal val="visible"/>
-                                      </p:to>
-                                    </p:set>
-                                  </p:childTnLst>
-                                </p:cTn>
-                              </p:par>
-                              <p:par>
-                                <p:cTn id="19" presetID="1" presetClass="entr" presetSubtype="0" fill="hold" nodeType="withEffect">
-                                  <p:stCondLst>
-                                    <p:cond delay="0"/>
-                                  </p:stCondLst>
-                                  <p:childTnLst>
-                                    <p:set>
-                                      <p:cBhvr>
-                                        <p:cTn id="20" dur="1" fill="hold">
-                                          <p:stCondLst>
-                                            <p:cond delay="0"/>
-                                          </p:stCondLst>
-                                        </p:cTn>
-                                        <p:tgtEl>
-                                          <p:spTgt spid="14"/>
-                                        </p:tgtEl>
-                                        <p:attrNameLst>
-                                          <p:attrName>style.visibility</p:attrName>
-                                        </p:attrNameLst>
-                                      </p:cBhvr>
-                                      <p:to>
-                                        <p:strVal val="visible"/>
-                                      </p:to>
-                                    </p:set>
-                                  </p:childTnLst>
-                                </p:cTn>
-                              </p:par>
-                            </p:childTnLst>
-                          </p:cTn>
-                        </p:par>
-                      </p:childTnLst>
-                    </p:cTn>
-                  </p:par>
-                </p:childTnLst>
-              </p:cTn>
-              <p:prevCondLst>
-                <p:cond evt="onPrev" delay="0">
-                  <p:tgtEl>
-                    <p:sldTgt/>
-                  </p:tgtEl>
-                </p:cond>
-              </p:prevCondLst>
-              <p:nextCondLst>
-                <p:cond evt="onNext" delay="0">
-                  <p:tgtEl>
-                    <p:sldTgt/>
-                  </p:tgtEl>
-                </p:cond>
-              </p:nextCondLst>
-            </p:seq>
-          </p:childTnLst>
-        </p:cTn>
-      </p:par>
-    </p:tnLst>
-    <p:bldLst>
-      <p:bldP spid="12" grpId="0"/>
-      <p:bldP spid="13" grpId="0"/>
-      <p:bldP spid="15" grpId="0"/>
-    </p:bldLst>
-  </p:timing>
-</p:sld>
-</file>
-
-<file path=ppt/slides/slide21.xml><?xml version="1.0" encoding="utf-8"?>
-<p:sld xmlns:a="http://schemas.openxmlformats.org/drawingml/2006/main" xmlns:r="http://schemas.openxmlformats.org/officeDocument/2006/relationships" xmlns:p="http://schemas.openxmlformats.org/presentationml/2006/main">
-  <p:cSld>
-    <p:spTree>
-      <p:nvGrpSpPr>
-        <p:cNvPr id="1" name=""/>
-        <p:cNvGrpSpPr/>
-        <p:nvPr/>
-      </p:nvGrpSpPr>
-      <p:grpSpPr>
-        <a:xfrm>
-          <a:off x="0" y="0"/>
-          <a:ext cx="0" cy="0"/>
-          <a:chOff x="0" y="0"/>
-          <a:chExt cx="0" cy="0"/>
-        </a:xfrm>
-      </p:grpSpPr>
-      <p:sp>
-        <p:nvSpPr>
-          <p:cNvPr id="2" name="Title 1"/>
-          <p:cNvSpPr>
-            <a:spLocks noGrp="1"/>
-          </p:cNvSpPr>
-          <p:nvPr>
-            <p:ph type="title"/>
-          </p:nvPr>
-        </p:nvSpPr>
-        <p:spPr>
-          <a:xfrm>
-            <a:off x="0" y="0"/>
-            <a:ext cx="10515600" cy="886691"/>
-          </a:xfrm>
-        </p:spPr>
-        <p:txBody>
-          <a:bodyPr/>
-          <a:lstStyle/>
-          <a:p>
-            <a:r>
-              <a:rPr lang="en-CA" dirty="0" smtClean="0"/>
-              <a:t>Kernel perceptron</a:t>
-            </a:r>
-            <a:endParaRPr lang="en-CA" dirty="0"/>
-          </a:p>
-        </p:txBody>
-      </p:sp>
-      <mc:AlternateContent xmlns:mc="http://schemas.openxmlformats.org/markup-compatibility/2006">
-        <mc:Choice xmlns:a14="http://schemas.microsoft.com/office/drawing/2010/main" Requires="a14">
+      <mc:AlternateContent xmlns:mc="http://schemas.openxmlformats.org/markup-compatibility/2006" xmlns:a14="http://schemas.microsoft.com/office/drawing/2010/main">
+        <mc:Choice Requires="a14">
           <p:sp>
             <p:nvSpPr>
               <p:cNvPr id="3" name="Content Placeholder 2"/>
@@ -12052,7 +12139,7 @@
               <a:lstStyle/>
               <a:p>
                 <a:r>
-                  <a:rPr lang="en-CA" dirty="0" smtClean="0"/>
+                  <a:rPr lang="en-CA" dirty="0"/>
                   <a:t>Perceptron makes prediction based on whether </a:t>
                 </a:r>
                 <a14:m>
@@ -12141,7 +12228,7 @@
               </a:p>
               <a:p>
                 <a:r>
-                  <a:rPr lang="en-CA" dirty="0" smtClean="0"/>
+                  <a:rPr lang="en-CA" dirty="0"/>
                   <a:t>Instead, we could use </a:t>
                 </a:r>
                 <a14:m>
@@ -12310,11 +12397,11 @@
                   </m:oMath>
                 </a14:m>
                 <a:r>
-                  <a:rPr lang="en-CA" sz="3600" dirty="0" smtClean="0"/>
+                  <a:rPr lang="en-CA" sz="3600" dirty="0"/>
                   <a:t> </a:t>
                 </a:r>
                 <a:r>
-                  <a:rPr lang="en-CA" dirty="0" smtClean="0"/>
+                  <a:rPr lang="en-CA" dirty="0"/>
                   <a:t>, where </a:t>
                 </a:r>
                 <a14:m>
@@ -12384,19 +12471,19 @@
                   </m:oMath>
                 </a14:m>
                 <a:r>
-                  <a:rPr lang="en-CA" dirty="0" smtClean="0"/>
+                  <a:rPr lang="en-CA" dirty="0"/>
                   <a:t>is the </a:t>
                 </a:r>
                 <a:r>
-                  <a:rPr lang="en-CA" dirty="0" err="1" smtClean="0"/>
+                  <a:rPr lang="en-CA" dirty="0" err="1"/>
                   <a:t>j</a:t>
                 </a:r>
                 <a:r>
-                  <a:rPr lang="en-CA" baseline="30000" dirty="0" err="1" smtClean="0"/>
+                  <a:rPr lang="en-CA" baseline="30000" dirty="0" err="1"/>
                   <a:t>th</a:t>
                 </a:r>
                 <a:r>
-                  <a:rPr lang="en-CA" dirty="0" smtClean="0"/>
+                  <a:rPr lang="en-CA" dirty="0"/>
                   <a:t> misclassified instance, </a:t>
                 </a:r>
                 <a14:m>
@@ -12466,19 +12553,19 @@
                   </m:oMath>
                 </a14:m>
                 <a:r>
-                  <a:rPr lang="en-CA" dirty="0" smtClean="0"/>
+                  <a:rPr lang="en-CA" dirty="0"/>
                   <a:t> its </a:t>
                 </a:r>
                 <a:r>
-                  <a:rPr lang="en-CA" dirty="0" err="1" smtClean="0"/>
+                  <a:rPr lang="en-CA" dirty="0" err="1"/>
                   <a:t>i</a:t>
                 </a:r>
                 <a:r>
-                  <a:rPr lang="en-CA" baseline="30000" dirty="0" err="1" smtClean="0"/>
+                  <a:rPr lang="en-CA" baseline="30000" dirty="0" err="1"/>
                   <a:t>th</a:t>
                 </a:r>
                 <a:r>
-                  <a:rPr lang="en-CA" dirty="0" smtClean="0"/>
+                  <a:rPr lang="en-CA" dirty="0"/>
                   <a:t> attribute value, and </a:t>
                 </a:r>
                 <a14:m>
@@ -12510,31 +12597,31 @@
                   </m:oMath>
                 </a14:m>
                 <a:r>
-                  <a:rPr lang="en-CA" dirty="0" smtClean="0"/>
+                  <a:rPr lang="en-CA" dirty="0"/>
                   <a:t> its class value (-1 or 1).</a:t>
                 </a:r>
               </a:p>
               <a:p>
                 <a:r>
-                  <a:rPr lang="en-CA" dirty="0" smtClean="0"/>
+                  <a:rPr lang="en-CA" dirty="0"/>
                   <a:t>To implement this, no longer keep track of weight vector, instead store misclassified instances and use above expression to make prediction</a:t>
                 </a:r>
               </a:p>
               <a:p>
                 <a:r>
-                  <a:rPr lang="en-CA" dirty="0" smtClean="0"/>
+                  <a:rPr lang="en-CA" dirty="0"/>
                   <a:t>It appears as if this gains us nothing – in fact, algorithm is slower because it iterates through all misclassified training instances each time prediction is made</a:t>
                 </a:r>
               </a:p>
               <a:p>
                 <a:r>
-                  <a:rPr lang="en-CA" dirty="0" smtClean="0"/>
+                  <a:rPr lang="en-CA" dirty="0"/>
                   <a:t>However, formula can be expressed in terms of dot product between instances:</a:t>
                 </a:r>
               </a:p>
               <a:p>
                 <a:r>
-                  <a:rPr lang="en-CA" dirty="0" smtClean="0"/>
+                  <a:rPr lang="en-CA" dirty="0"/>
                   <a:t>First swap summation signs to give: </a:t>
                 </a:r>
                 <a14:m>
@@ -12703,7 +12790,7 @@
                   </m:oMath>
                 </a14:m>
                 <a:r>
-                  <a:rPr lang="en-CA" dirty="0" smtClean="0"/>
+                  <a:rPr lang="en-CA" dirty="0"/>
                   <a:t> ,the second sum is a dot product between two instances and can be written: </a:t>
                 </a:r>
                 <a14:m>
@@ -12810,13 +12897,13 @@
                   </m:oMath>
                 </a14:m>
                 <a:r>
-                  <a:rPr lang="en-CA" dirty="0" smtClean="0"/>
+                  <a:rPr lang="en-CA" dirty="0"/>
                   <a:t> , which looks similar to what we saw with SVM, enabling use of kernels.</a:t>
                 </a:r>
               </a:p>
               <a:p>
                 <a:r>
-                  <a:rPr lang="en-CA" dirty="0" smtClean="0"/>
+                  <a:rPr lang="en-CA" dirty="0"/>
                   <a:t>Can do same thing here, using kernel instead of dot product: </a:t>
                 </a:r>
                 <a14:m>
@@ -12943,7 +13030,7 @@
                     </m:nary>
                   </m:oMath>
                 </a14:m>
-                <a:endParaRPr lang="en-CA" dirty="0" smtClean="0"/>
+                <a:endParaRPr lang="en-CA" dirty="0"/>
               </a:p>
               <a:p>
                 <a:endParaRPr lang="en-CA" dirty="0"/>
@@ -12951,7 +13038,7 @@
             </p:txBody>
           </p:sp>
         </mc:Choice>
-        <mc:Fallback>
+        <mc:Fallback xmlns="">
           <p:sp>
             <p:nvSpPr>
               <p:cNvPr id="3" name="Content Placeholder 2"/>
@@ -13378,7 +13465,7 @@
 </p:sld>
 </file>
 
-<file path=ppt/slides/slide22.xml><?xml version="1.0" encoding="utf-8"?>
+<file path=ppt/slides/slide21.xml><?xml version="1.0" encoding="utf-8"?>
 <p:sld xmlns:a="http://schemas.openxmlformats.org/drawingml/2006/main" xmlns:r="http://schemas.openxmlformats.org/officeDocument/2006/relationships" xmlns:p="http://schemas.openxmlformats.org/presentationml/2006/main">
   <p:cSld>
     <p:spTree>
@@ -13416,15 +13503,14 @@
           <a:lstStyle/>
           <a:p>
             <a:r>
-              <a:rPr lang="en-CA" dirty="0" smtClean="0"/>
+              <a:rPr lang="en-CA" dirty="0"/>
               <a:t>Kernel perceptron</a:t>
             </a:r>
-            <a:endParaRPr lang="en-CA" dirty="0"/>
           </a:p>
         </p:txBody>
       </p:sp>
-      <mc:AlternateContent xmlns:mc="http://schemas.openxmlformats.org/markup-compatibility/2006">
-        <mc:Choice xmlns:a14="http://schemas.microsoft.com/office/drawing/2010/main" Requires="a14">
+      <mc:AlternateContent xmlns:mc="http://schemas.openxmlformats.org/markup-compatibility/2006" xmlns:a14="http://schemas.microsoft.com/office/drawing/2010/main">
+        <mc:Choice Requires="a14">
           <p:sp>
             <p:nvSpPr>
               <p:cNvPr id="3" name="Content Placeholder 2"/>
@@ -13451,7 +13537,7 @@
                   <a:buNone/>
                 </a:pPr>
                 <a:r>
-                  <a:rPr lang="en-CA" sz="5400" dirty="0" smtClean="0"/>
+                  <a:rPr lang="en-CA" sz="5400" dirty="0"/>
                   <a:t>	</a:t>
                 </a:r>
                 <a14:m>
@@ -13578,47 +13664,46 @@
                     </m:nary>
                   </m:oMath>
                 </a14:m>
-                <a:endParaRPr lang="en-CA" sz="5400" dirty="0" smtClean="0"/>
+                <a:endParaRPr lang="en-CA" sz="5400" dirty="0"/>
               </a:p>
               <a:p>
                 <a:r>
-                  <a:rPr lang="en-CA" dirty="0" smtClean="0"/>
+                  <a:rPr lang="en-CA" dirty="0"/>
                   <a:t>In this way, perceptron algorithm can learn a nonlinear classifier simply by keeping track of misclassified instances during training process and using above expression to form each prediction</a:t>
                 </a:r>
               </a:p>
               <a:p>
                 <a:r>
-                  <a:rPr lang="en-CA" dirty="0" smtClean="0"/>
+                  <a:rPr lang="en-CA" dirty="0"/>
                   <a:t>If separating hyperplane exists in high-dimensional space implicitly created by kernel function, this algorithm will learn it</a:t>
                 </a:r>
               </a:p>
               <a:p>
                 <a:r>
-                  <a:rPr lang="en-CA" dirty="0" smtClean="0"/>
+                  <a:rPr lang="en-CA" dirty="0"/>
                   <a:t>However, it won’t learn the maximum margin hyperplane found by SVM, so classification will typically be worse</a:t>
                 </a:r>
               </a:p>
               <a:p>
                 <a:r>
-                  <a:rPr lang="en-CA" dirty="0" smtClean="0"/>
+                  <a:rPr lang="en-CA" dirty="0"/>
                   <a:t>This classifier is called the </a:t>
                 </a:r>
                 <a:r>
-                  <a:rPr lang="en-CA" i="1" dirty="0" smtClean="0"/>
+                  <a:rPr lang="en-CA" i="1" dirty="0"/>
                   <a:t>kernel perceptron</a:t>
                 </a:r>
               </a:p>
               <a:p>
                 <a:r>
-                  <a:rPr lang="en-CA" dirty="0" smtClean="0"/>
+                  <a:rPr lang="en-CA" dirty="0"/>
                   <a:t>All sorts of algorithms for learning linear models can be upgraded with kernel trick</a:t>
                 </a:r>
-                <a:endParaRPr lang="en-CA" dirty="0"/>
               </a:p>
             </p:txBody>
           </p:sp>
         </mc:Choice>
-        <mc:Fallback>
+        <mc:Fallback xmlns="">
           <p:sp>
             <p:nvSpPr>
               <p:cNvPr id="3" name="Content Placeholder 2"/>
@@ -13996,7 +14081,7 @@
 </p:sld>
 </file>
 
-<file path=ppt/slides/slide23.xml><?xml version="1.0" encoding="utf-8"?>
+<file path=ppt/slides/slide22.xml><?xml version="1.0" encoding="utf-8"?>
 <p:sld xmlns:a="http://schemas.openxmlformats.org/drawingml/2006/main" xmlns:r="http://schemas.openxmlformats.org/officeDocument/2006/relationships" xmlns:p="http://schemas.openxmlformats.org/presentationml/2006/main">
   <p:cSld>
     <p:spTree>
@@ -14029,10 +14114,9 @@
           <a:lstStyle/>
           <a:p>
             <a:r>
-              <a:rPr lang="en-CA" dirty="0" smtClean="0"/>
+              <a:rPr lang="en-CA" dirty="0"/>
               <a:t>Summary</a:t>
             </a:r>
-            <a:endParaRPr lang="en-CA" dirty="0"/>
           </a:p>
         </p:txBody>
       </p:sp>
@@ -14046,24 +14130,89 @@
             <p:ph idx="1"/>
           </p:nvPr>
         </p:nvSpPr>
-        <p:spPr/>
+        <p:spPr>
+          <a:xfrm>
+            <a:off x="838200" y="1451295"/>
+            <a:ext cx="10515600" cy="4725668"/>
+          </a:xfrm>
+        </p:spPr>
         <p:txBody>
-          <a:bodyPr/>
+          <a:bodyPr>
+            <a:normAutofit/>
+          </a:bodyPr>
           <a:lstStyle/>
           <a:p>
-            <a:endParaRPr lang="en-CA" dirty="0" smtClean="0"/>
+            <a:r>
+              <a:rPr lang="en-CA" dirty="0"/>
+              <a:t>Instance based learning </a:t>
+            </a:r>
+          </a:p>
+          <a:p>
+            <a:pPr lvl="1"/>
+            <a:r>
+              <a:rPr lang="en-CA" dirty="0"/>
+              <a:t>Weighing attributes</a:t>
+            </a:r>
+          </a:p>
+          <a:p>
+            <a:pPr lvl="1"/>
+            <a:r>
+              <a:rPr lang="en-CA" dirty="0"/>
+              <a:t>Generalizing exemplars</a:t>
+            </a:r>
           </a:p>
           <a:p>
             <a:r>
-              <a:rPr lang="en-CA" dirty="0" smtClean="0"/>
-              <a:t>Next class: multilayer </a:t>
+              <a:rPr lang="en-CA" dirty="0"/>
+              <a:t>Kernel functions</a:t>
+            </a:r>
+          </a:p>
+          <a:p>
+            <a:pPr lvl="1"/>
+            <a:r>
+              <a:rPr lang="en-CA" dirty="0"/>
+              <a:t>Used by SVM to learn nonlinear decision boundaries</a:t>
+            </a:r>
+          </a:p>
+          <a:p>
+            <a:r>
+              <a:rPr lang="en-CA" dirty="0"/>
+              <a:t>Kernel trick</a:t>
+            </a:r>
+          </a:p>
+          <a:p>
+            <a:pPr lvl="1"/>
+            <a:r>
+              <a:rPr lang="en-CA" dirty="0"/>
+              <a:t>Calculating dot product before nonlinear transformation</a:t>
+            </a:r>
+          </a:p>
+          <a:p>
+            <a:r>
+              <a:rPr lang="en-CA" dirty="0"/>
+              <a:t>Support vector regression, kernel ridge regression, </a:t>
             </a:r>
             <a:r>
-              <a:rPr lang="en-CA" dirty="0" err="1" smtClean="0"/>
+              <a:rPr lang="en-CA"/>
+              <a:t>kernel perceptron</a:t>
+            </a:r>
+            <a:endParaRPr lang="en-CA" dirty="0"/>
+          </a:p>
+          <a:p>
+            <a:r>
+              <a:rPr lang="en-CA" b="1" dirty="0"/>
+              <a:t>Next class: </a:t>
+            </a:r>
+            <a:r>
+              <a:rPr lang="en-CA" dirty="0"/>
+              <a:t>multilayer </a:t>
+            </a:r>
+            <a:r>
+              <a:rPr lang="en-CA" dirty="0" err="1"/>
               <a:t>perceptrons</a:t>
             </a:r>
             <a:r>
-              <a:rPr lang="en-CA" dirty="0" smtClean="0"/>
+              <a:rPr lang="en-CA" dirty="0"/>
               <a:t>, backpropagation, and stochastic gradient descent </a:t>
             </a:r>
           </a:p>
@@ -14085,13 +14234,6 @@
   <p:clrMapOvr>
     <a:masterClrMapping/>
   </p:clrMapOvr>
-  <p:timing>
-    <p:tnLst>
-      <p:par>
-        <p:cTn id="1" dur="indefinite" restart="never" nodeType="tmRoot"/>
-      </p:par>
-    </p:tnLst>
-  </p:timing>
 </p:sld>
 </file>
 
@@ -14902,15 +15044,7 @@
           <a:p>
             <a:r>
               <a:rPr lang="en-US" dirty="0"/>
-              <a:t>Set two </a:t>
-            </a:r>
-            <a:r>
-              <a:rPr lang="en-US" dirty="0" smtClean="0"/>
-              <a:t>thresholds: </a:t>
-            </a:r>
-            <a:r>
-              <a:rPr lang="en-US" dirty="0"/>
-              <a:t>lower and upper performance bounds</a:t>
+              <a:t>Set two thresholds: lower and upper performance bounds</a:t>
             </a:r>
           </a:p>
           <a:p>
@@ -15528,8 +15662,8 @@
           </a:p>
         </p:txBody>
       </p:sp>
-      <mc:AlternateContent xmlns:mc="http://schemas.openxmlformats.org/markup-compatibility/2006">
-        <mc:Choice xmlns:a14="http://schemas.microsoft.com/office/drawing/2010/main" Requires="a14">
+      <mc:AlternateContent xmlns:mc="http://schemas.openxmlformats.org/markup-compatibility/2006" xmlns:a14="http://schemas.microsoft.com/office/drawing/2010/main">
+        <mc:Choice Requires="a14">
           <p:sp>
             <p:nvSpPr>
               <p:cNvPr id="3" name="Content Placeholder 2">
@@ -15672,10 +15806,6 @@
                     </m:sSub>
                   </m:oMath>
                 </a14:m>
-                <a:r>
-                  <a:rPr lang="en-US" dirty="0"/>
-                  <a:t/>
-                </a:r>
                 <a:br>
                   <a:rPr lang="en-US" dirty="0"/>
                 </a:br>
@@ -16142,12 +16272,8 @@
               </a:p>
               <a:p>
                 <a:r>
-                  <a:rPr lang="en-US" dirty="0" smtClean="0"/>
-                  <a:t>All </a:t>
-                </a:r>
-                <a:r>
                   <a:rPr lang="en-US" dirty="0"/>
-                  <a:t>attribute weights updated after each training instance is classified as follows:</a:t>
+                  <a:t>All attribute weights updated after each training instance is classified as follows:</a:t>
                 </a:r>
               </a:p>
               <a:p>
@@ -16473,7 +16599,7 @@
             </p:txBody>
           </p:sp>
         </mc:Choice>
-        <mc:Fallback>
+        <mc:Fallback xmlns="">
           <p:sp>
             <p:nvSpPr>
               <p:cNvPr id="3" name="Content Placeholder 2">
@@ -17101,26 +17227,18 @@
           </a:p>
           <a:p>
             <a:r>
-              <a:rPr lang="en-US" dirty="0" err="1" smtClean="0"/>
+              <a:rPr lang="en-US" dirty="0" err="1"/>
               <a:t>dist</a:t>
             </a:r>
             <a:r>
-              <a:rPr lang="en-US" dirty="0" smtClean="0"/>
-              <a:t>(instance, </a:t>
-            </a:r>
-            <a:r>
               <a:rPr lang="en-US" dirty="0"/>
-              <a:t>hyperrectangle) = 0 if instance lies within hyperrectangle</a:t>
+              <a:t>(instance, hyperrectangle) = 0 if instance lies within hyperrectangle</a:t>
             </a:r>
           </a:p>
           <a:p>
             <a:r>
-              <a:rPr lang="en-US" dirty="0" smtClean="0"/>
-              <a:t>Otherwise</a:t>
-            </a:r>
-            <a:r>
               <a:rPr lang="en-US" dirty="0"/>
-              <a:t>, use the distance to nearest part of hyperrectangle</a:t>
+              <a:t>Otherwise, use the distance to nearest part of hyperrectangle</a:t>
             </a:r>
           </a:p>
           <a:p>
@@ -17865,12 +17983,12 @@
             </p:spPr>
             <p:txBody>
               <a:bodyPr>
-                <a:normAutofit lnSpcReduction="10000"/>
+                <a:normAutofit fontScale="92500" lnSpcReduction="10000"/>
               </a:bodyPr>
               <a:lstStyle/>
               <a:p>
                 <a:r>
-                  <a:rPr lang="en-US" dirty="0" smtClean="0"/>
+                  <a:rPr lang="en-US" dirty="0"/>
                   <a:t>Biggest disadvantage of linear models is they can only represent linear boundaries between classes, too simplistic for many practical applications</a:t>
                 </a:r>
               </a:p>
@@ -18358,15 +18476,15 @@
                   </m:oMath>
                 </a14:m>
                 <a:r>
-                  <a:rPr lang="en-US" dirty="0" smtClean="0"/>
+                  <a:rPr lang="en-US" dirty="0"/>
                   <a:t> </a:t>
                 </a:r>
               </a:p>
               <a:p>
                 <a:pPr lvl="1"/>
                 <a:r>
-                  <a:rPr lang="en-US" dirty="0" smtClean="0"/>
-                  <a:t>Example using all products of n=3 factors that can be constructed from </a:t>
+                  <a:rPr lang="en-US" dirty="0"/>
+                  <a:t>Example using all 3 factor products that can be constructed from </a:t>
                 </a:r>
                 <a14:m>
                   <m:oMath xmlns:m="http://schemas.openxmlformats.org/officeDocument/2006/math">
@@ -18439,6 +18557,12 @@
               <a:p>
                 <a:r>
                   <a:rPr lang="en-US" dirty="0"/>
+                  <a:t>Polynomials of sufficiently high degree can approximate arbitrary decision boundaries</a:t>
+                </a:r>
+              </a:p>
+              <a:p>
+                <a:r>
+                  <a:rPr lang="en-US" dirty="0"/>
                   <a:t>Problem with this approach: too many attributes</a:t>
                 </a:r>
               </a:p>
@@ -18446,14 +18570,14 @@
                 <a:pPr lvl="1"/>
                 <a:r>
                   <a:rPr lang="en-US" dirty="0"/>
-                  <a:t>Takes too long to train</a:t>
+                  <a:t>Takes too long to train (linear regression time complexity is cubic)</a:t>
                 </a:r>
               </a:p>
               <a:p>
                 <a:pPr lvl="1"/>
                 <a:r>
                   <a:rPr lang="en-US" dirty="0"/>
-                  <a:t>Causes overfitting</a:t>
+                  <a:t>Causes overfitting (including all 5 product factors in 10 attribute dataset gives &gt;2000 weights)</a:t>
                 </a:r>
               </a:p>
               <a:p>
@@ -18490,7 +18614,7 @@
               <a:blipFill>
                 <a:blip r:embed="rId2"/>
                 <a:stretch>
-                  <a:fillRect l="-900" t="-2314"/>
+                  <a:fillRect l="-729" t="-1883"/>
                 </a:stretch>
               </a:blipFill>
             </p:spPr>
@@ -18499,7 +18623,7 @@
               <a:lstStyle/>
               <a:p>
                 <a:r>
-                  <a:rPr lang="en-CA">
+                  <a:rPr lang="en-US">
                     <a:noFill/>
                   </a:rPr>
                   <a:t> </a:t>
@@ -19013,15 +19137,33 @@
                                   </p:childTnLst>
                                 </p:cTn>
                               </p:par>
+                            </p:childTnLst>
+                          </p:cTn>
+                        </p:par>
+                      </p:childTnLst>
+                    </p:cTn>
+                  </p:par>
+                  <p:par>
+                    <p:cTn id="41" fill="hold">
+                      <p:stCondLst>
+                        <p:cond delay="indefinite"/>
+                      </p:stCondLst>
+                      <p:childTnLst>
+                        <p:par>
+                          <p:cTn id="42" fill="hold">
+                            <p:stCondLst>
+                              <p:cond delay="0"/>
+                            </p:stCondLst>
+                            <p:childTnLst>
                               <p:par>
-                                <p:cTn id="41" presetID="1" presetClass="entr" presetSubtype="0" fill="hold" grpId="0" nodeType="withEffect">
+                                <p:cTn id="43" presetID="1" presetClass="entr" presetSubtype="0" fill="hold" grpId="0" nodeType="clickEffect">
                                   <p:stCondLst>
                                     <p:cond delay="0"/>
                                   </p:stCondLst>
                                   <p:childTnLst>
                                     <p:set>
                                       <p:cBhvr>
-                                        <p:cTn id="42" dur="1" fill="hold">
+                                        <p:cTn id="44" dur="1" fill="hold">
                                           <p:stCondLst>
                                             <p:cond delay="0"/>
                                           </p:stCondLst>
@@ -19045,14 +19187,14 @@
                                 </p:cTn>
                               </p:par>
                               <p:par>
-                                <p:cTn id="43" presetID="1" presetClass="entr" presetSubtype="0" fill="hold" grpId="0" nodeType="withEffect">
+                                <p:cTn id="45" presetID="1" presetClass="entr" presetSubtype="0" fill="hold" grpId="0" nodeType="withEffect">
                                   <p:stCondLst>
                                     <p:cond delay="0"/>
                                   </p:stCondLst>
                                   <p:childTnLst>
                                     <p:set>
                                       <p:cBhvr>
-                                        <p:cTn id="44" dur="1" fill="hold">
+                                        <p:cTn id="46" dur="1" fill="hold">
                                           <p:stCondLst>
                                             <p:cond delay="0"/>
                                           </p:stCondLst>
@@ -19061,6 +19203,37 @@
                                           <p:spTgt spid="3">
                                             <p:txEl>
                                               <p:pRg st="10" end="10"/>
+                                            </p:txEl>
+                                          </p:spTgt>
+                                        </p:tgtEl>
+                                        <p:attrNameLst>
+                                          <p:attrName>style.visibility</p:attrName>
+                                        </p:attrNameLst>
+                                      </p:cBhvr>
+                                      <p:to>
+                                        <p:strVal val="visible"/>
+                                      </p:to>
+                                    </p:set>
+                                  </p:childTnLst>
+                                </p:cTn>
+                              </p:par>
+                              <p:par>
+                                <p:cTn id="47" presetID="1" presetClass="entr" presetSubtype="0" fill="hold" grpId="0" nodeType="withEffect">
+                                  <p:stCondLst>
+                                    <p:cond delay="0"/>
+                                  </p:stCondLst>
+                                  <p:childTnLst>
+                                    <p:set>
+                                      <p:cBhvr>
+                                        <p:cTn id="48" dur="1" fill="hold">
+                                          <p:stCondLst>
+                                            <p:cond delay="0"/>
+                                          </p:stCondLst>
+                                        </p:cTn>
+                                        <p:tgtEl>
+                                          <p:spTgt spid="3">
+                                            <p:txEl>
+                                              <p:pRg st="11" end="11"/>
                                             </p:txEl>
                                           </p:spTgt>
                                         </p:tgtEl>
@@ -19182,7 +19355,9 @@
           </a:xfrm>
         </p:spPr>
         <p:txBody>
-          <a:bodyPr/>
+          <a:bodyPr>
+            <a:normAutofit fontScale="92500" lnSpcReduction="10000"/>
+          </a:bodyPr>
           <a:lstStyle/>
           <a:p>
             <a:r>
@@ -19205,6 +19380,13 @@
             <a:r>
               <a:rPr lang="en-US" dirty="0"/>
               <a:t>Assuming classes are linearly separable, maximum margin hyperplane is the hyperplane that gives greatest separation between classes</a:t>
+            </a:r>
+          </a:p>
+          <a:p>
+            <a:pPr lvl="1"/>
+            <a:r>
+              <a:rPr lang="en-US" dirty="0"/>
+              <a:t>Maximum margin hyperplane is the perpendicular bisector of shortest line connecting the convex hull of two classes</a:t>
             </a:r>
           </a:p>
           <a:p>
@@ -19462,33 +19644,15 @@
                                   </p:childTnLst>
                                 </p:cTn>
                               </p:par>
-                            </p:childTnLst>
-                          </p:cTn>
-                        </p:par>
-                      </p:childTnLst>
-                    </p:cTn>
-                  </p:par>
-                  <p:par>
-                    <p:cTn id="19" fill="hold">
-                      <p:stCondLst>
-                        <p:cond delay="indefinite"/>
-                      </p:stCondLst>
-                      <p:childTnLst>
-                        <p:par>
-                          <p:cTn id="20" fill="hold">
-                            <p:stCondLst>
-                              <p:cond delay="0"/>
-                            </p:stCondLst>
-                            <p:childTnLst>
                               <p:par>
-                                <p:cTn id="21" presetID="1" presetClass="entr" presetSubtype="0" fill="hold" grpId="0" nodeType="clickEffect">
+                                <p:cTn id="19" presetID="1" presetClass="entr" presetSubtype="0" fill="hold" grpId="0" nodeType="withEffect">
                                   <p:stCondLst>
                                     <p:cond delay="0"/>
                                   </p:stCondLst>
                                   <p:childTnLst>
                                     <p:set>
                                       <p:cBhvr>
-                                        <p:cTn id="22" dur="1" fill="hold">
+                                        <p:cTn id="20" dur="1" fill="hold">
                                           <p:stCondLst>
                                             <p:cond delay="0"/>
                                           </p:stCondLst>
@@ -19511,8 +19675,26 @@
                                   </p:childTnLst>
                                 </p:cTn>
                               </p:par>
+                            </p:childTnLst>
+                          </p:cTn>
+                        </p:par>
+                      </p:childTnLst>
+                    </p:cTn>
+                  </p:par>
+                  <p:par>
+                    <p:cTn id="21" fill="hold">
+                      <p:stCondLst>
+                        <p:cond delay="indefinite"/>
+                      </p:stCondLst>
+                      <p:childTnLst>
+                        <p:par>
+                          <p:cTn id="22" fill="hold">
+                            <p:stCondLst>
+                              <p:cond delay="0"/>
+                            </p:stCondLst>
+                            <p:childTnLst>
                               <p:par>
-                                <p:cTn id="23" presetID="1" presetClass="entr" presetSubtype="0" fill="hold" grpId="0" nodeType="withEffect">
+                                <p:cTn id="23" presetID="1" presetClass="entr" presetSubtype="0" fill="hold" grpId="0" nodeType="clickEffect">
                                   <p:stCondLst>
                                     <p:cond delay="0"/>
                                   </p:stCondLst>
@@ -19542,33 +19724,15 @@
                                   </p:childTnLst>
                                 </p:cTn>
                               </p:par>
-                            </p:childTnLst>
-                          </p:cTn>
-                        </p:par>
-                      </p:childTnLst>
-                    </p:cTn>
-                  </p:par>
-                  <p:par>
-                    <p:cTn id="25" fill="hold">
-                      <p:stCondLst>
-                        <p:cond delay="indefinite"/>
-                      </p:stCondLst>
-                      <p:childTnLst>
-                        <p:par>
-                          <p:cTn id="26" fill="hold">
-                            <p:stCondLst>
-                              <p:cond delay="0"/>
-                            </p:stCondLst>
-                            <p:childTnLst>
                               <p:par>
-                                <p:cTn id="27" presetID="1" presetClass="entr" presetSubtype="0" fill="hold" grpId="0" nodeType="clickEffect">
+                                <p:cTn id="25" presetID="1" presetClass="entr" presetSubtype="0" fill="hold" grpId="0" nodeType="withEffect">
                                   <p:stCondLst>
                                     <p:cond delay="0"/>
                                   </p:stCondLst>
                                   <p:childTnLst>
                                     <p:set>
                                       <p:cBhvr>
-                                        <p:cTn id="28" dur="1" fill="hold">
+                                        <p:cTn id="26" dur="1" fill="hold">
                                           <p:stCondLst>
                                             <p:cond delay="0"/>
                                           </p:stCondLst>
@@ -19577,6 +19741,55 @@
                                           <p:spTgt spid="3">
                                             <p:txEl>
                                               <p:pRg st="5" end="5"/>
+                                            </p:txEl>
+                                          </p:spTgt>
+                                        </p:tgtEl>
+                                        <p:attrNameLst>
+                                          <p:attrName>style.visibility</p:attrName>
+                                        </p:attrNameLst>
+                                      </p:cBhvr>
+                                      <p:to>
+                                        <p:strVal val="visible"/>
+                                      </p:to>
+                                    </p:set>
+                                  </p:childTnLst>
+                                </p:cTn>
+                              </p:par>
+                            </p:childTnLst>
+                          </p:cTn>
+                        </p:par>
+                      </p:childTnLst>
+                    </p:cTn>
+                  </p:par>
+                  <p:par>
+                    <p:cTn id="27" fill="hold">
+                      <p:stCondLst>
+                        <p:cond delay="indefinite"/>
+                      </p:stCondLst>
+                      <p:childTnLst>
+                        <p:par>
+                          <p:cTn id="28" fill="hold">
+                            <p:stCondLst>
+                              <p:cond delay="0"/>
+                            </p:stCondLst>
+                            <p:childTnLst>
+                              <p:par>
+                                <p:cTn id="29" presetID="1" presetClass="entr" presetSubtype="0" fill="hold" grpId="0" nodeType="clickEffect">
+                                  <p:stCondLst>
+                                    <p:cond delay="0"/>
+                                  </p:stCondLst>
+                                  <p:childTnLst>
+                                    <p:set>
+                                      <p:cBhvr>
+                                        <p:cTn id="30" dur="1" fill="hold">
+                                          <p:stCondLst>
+                                            <p:cond delay="0"/>
+                                          </p:stCondLst>
+                                        </p:cTn>
+                                        <p:tgtEl>
+                                          <p:spTgt spid="3">
+                                            <p:txEl>
+                                              <p:pRg st="6" end="6"/>
                                             </p:txEl>
                                           </p:spTgt>
                                         </p:tgtEl>
